--- a/class01/mini-project/03_SBJW/03minipro.pptx
+++ b/class01/mini-project/03_SBJW/03minipro.pptx
@@ -5,6 +5,7 @@
   <manifest:file-entry manifest:full-path="Configurations2/" manifest:media-type="application/vnd.sun.xml.ui.configuration"/>
   <manifest:file-entry manifest:full-path="styles.xml" manifest:media-type="text/xml"/>
   <manifest:file-entry manifest:full-path="content.xml" manifest:media-type="text/xml"/>
+  <manifest:file-entry manifest:full-path="Pictures/10000001000004FE0000024BDFB33427E6E95F9C.png" manifest:media-type="image/png"/>
   <manifest:file-entry manifest:full-path="settings.xml" manifest:media-type="text/xml"/>
   <manifest:file-entry manifest:full-path="Thumbnails/thumbnail.png" manifest:media-type="image/png"/>
   <manifest:file-entry manifest:full-path="meta.xml" manifest:media-type="text/xml"/>
@@ -16,20 +17,20 @@
   <office:scripts/>
   <office:font-face-decls>
     <style:font-face style:name="Liberation Sans" svg:font-family="'Liberation Sans'" style:font-family-generic="roman" style:font-pitch="variable"/>
-    <style:font-face style:name="Lohit Devanagari" svg:font-family="'Lohit Devanagari'" style:font-pitch="variable"/>
-    <style:font-face style:name="Lohit Devanagari1" svg:font-family="'Lohit Devanagari'" style:font-family-generic="system" style:font-pitch="variable"/>
+    <style:font-face style:name="Lohit Devanagari" svg:font-family="'Lohit Devanagari'" style:font-family-generic="system" style:font-pitch="variable"/>
+    <style:font-face style:name="Lohit Devanagari1" svg:font-family="'Lohit Devanagari'" style:font-pitch="variable"/>
     <style:font-face style:name="Noto Sans" svg:font-family="'Noto Sans'" style:font-family-generic="roman" style:font-pitch="variable"/>
     <style:font-face style:name="Noto Sans CJK JP" svg:font-family="'Noto Sans CJK JP'" style:font-family-generic="system" style:font-pitch="variable"/>
-    <style:font-face style:name="Noto Sans CJK JP Black" svg:font-family="'Noto Sans CJK JP Black'" style:font-adornments="Black" style:font-family-generic="swiss" style:font-pitch="variable"/>
-    <style:font-face style:name="Noto Sans CJK JP Black1" svg:font-family="'Noto Sans CJK JP Black'" style:font-family-generic="swiss" style:font-pitch="variable"/>
-    <style:font-face style:name="Noto Sans CJK KR" svg:font-family="'Noto Sans CJK KR'" style:font-pitch="variable"/>
+    <style:font-face style:name="Noto Sans CJK JP Black" svg:font-family="'Noto Sans CJK JP Black'" style:font-family-generic="swiss" style:font-pitch="variable"/>
+    <style:font-face style:name="Noto Sans CJK JP Black1" svg:font-family="'Noto Sans CJK JP Black'" style:font-adornments="Black" style:font-family-generic="swiss" style:font-pitch="variable"/>
+    <style:font-face style:name="Noto Sans CJK KR" svg:font-family="'Noto Sans CJK KR'" style:font-family-generic="roman" style:font-pitch="variable"/>
     <style:font-face style:name="Noto Sans CJK KR1" svg:font-family="'Noto Sans CJK KR'" style:font-family-generic="swiss" style:font-pitch="variable"/>
     <style:font-face style:name="Noto Sans CJK KR2" svg:font-family="'Noto Sans CJK KR'" style:font-family-generic="system" style:font-pitch="variable"/>
-    <style:font-face style:name="Noto Sans CJK KR3" svg:font-family="'Noto Sans CJK KR'" style:font-family-generic="roman" style:font-pitch="variable"/>
+    <style:font-face style:name="Noto Sans CJK KR3" svg:font-family="'Noto Sans CJK KR'" style:font-pitch="variable"/>
     <style:font-face style:name="Noto Serif CJK KR" svg:font-family="'Noto Serif CJK KR'" style:font-family-generic="roman" style:font-pitch="variable"/>
     <style:font-face style:name="Noto Serif CJK KR1" svg:font-family="'Noto Serif CJK KR'" style:font-family-generic="system" style:font-pitch="variable"/>
-    <style:font-face style:name="Open Sans Bold" svg:font-family="'Open Sans Bold'" style:font-pitch="variable"/>
-    <style:font-face style:name="Open Sans Bold1" svg:font-family="'Open Sans Bold'"/>
+    <style:font-face style:name="Open Sans Bold" svg:font-family="'Open Sans Bold'"/>
+    <style:font-face style:name="Open Sans Bold1" svg:font-family="'Open Sans Bold'" style:font-pitch="variable"/>
     <style:font-face style:name="Saab" svg:font-family="Saab" style:font-pitch="variable"/>
   </office:font-face-decls>
   <office:automatic-styles>
@@ -70,39 +71,104 @@
       <style:paragraph-properties style:writing-mode="lr-tb"/>
     </style:style>
     <style:style style:name="gr10" style:family="graphic" style:parent-style-name="standard">
-      <style:graphic-properties draw:stroke="none" svg:stroke-color="#000000" draw:fill="none" draw:fill-color="#ffffff" draw:auto-grow-height="true" draw:auto-grow-width="false" fo:max-height="0cm" fo:min-height="12.507cm"/>
-      <style:paragraph-properties style:writing-mode="lr-tb"/>
-    </style:style>
-    <style:style style:name="gr11" style:family="graphic" style:parent-style-name="standard" style:list-style-name="L3">
-      <style:graphic-properties draw:stroke="none" svg:stroke-width="0cm" draw:fill="none" draw:textarea-vertical-align="top" draw:auto-grow-height="true" draw:fit-to-size="false" style:shrink-to-fit="false" fo:min-height="0cm" fo:min-width="0cm" fo:padding-top="0cm" fo:padding-bottom="0cm" fo:padding-left="0cm" fo:padding-right="0cm" fo:wrap-option="wrap"/>
-      <style:paragraph-properties style:writing-mode="lr-tb"/>
-    </style:style>
-    <style:style style:name="gr12" style:family="graphic" style:parent-style-name="standard" style:list-style-name="L4">
-      <style:graphic-properties draw:stroke="none" svg:stroke-width="0cm" draw:fill="none" draw:textarea-vertical-align="top" draw:auto-grow-height="true" draw:fit-to-size="false" style:shrink-to-fit="false" fo:min-height="0cm" fo:min-width="0cm" fo:padding-top="0cm" fo:padding-bottom="0cm" fo:padding-left="0cm" fo:padding-right="0cm" fo:wrap-option="wrap"/>
-      <style:paragraph-properties style:writing-mode="lr-tb"/>
-    </style:style>
-    <style:style style:name="gr13" style:family="graphic" style:parent-style-name="standard" style:list-style-name="L4">
-      <style:graphic-properties draw:stroke="none" svg:stroke-width="0cm" draw:fill="none" draw:textarea-vertical-align="top" draw:auto-grow-height="true" draw:fit-to-size="false" style:shrink-to-fit="false" fo:min-height="0cm" fo:min-width="0cm" fo:padding-top="0cm" fo:padding-bottom="0cm" fo:padding-left="0cm" fo:padding-right="0cm" fo:wrap-option="wrap"/>
+      <style:graphic-properties draw:fill-color="#808080" draw:textarea-horizontal-align="justify" draw:textarea-vertical-align="middle" draw:auto-grow-height="false" fo:min-height="1.661cm" fo:min-width="4cm"/>
+    </style:style>
+    <style:style style:name="gr11" style:family="graphic" style:parent-style-name="standard">
+      <style:graphic-properties svg:stroke-opacity="0%" draw:fill-color="#ec9ba4" draw:textarea-horizontal-align="justify" draw:textarea-vertical-align="middle" draw:auto-grow-height="false" fo:min-height="7.75cm" fo:min-width="7.5cm"/>
+    </style:style>
+    <style:style style:name="gr12" style:family="graphic" style:parent-style-name="standard">
+      <style:graphic-properties draw:stroke="none" svg:stroke-color="#000000" draw:fill="none" draw:fill-color="#ffffff" draw:auto-grow-height="true" draw:auto-grow-width="false" fo:max-height="0cm" fo:min-height="5.25cm"/>
+      <style:paragraph-properties style:writing-mode="lr-tb"/>
+    </style:style>
+    <style:style style:name="gr13" style:family="graphic" style:parent-style-name="standard">
+      <style:graphic-properties draw:stroke="none" svg:stroke-color="#000000" draw:fill="none" draw:fill-color="#666666" draw:auto-grow-height="true" draw:auto-grow-width="false" fo:max-height="0cm" fo:min-height="0cm"/>
       <style:paragraph-properties style:writing-mode="lr-tb"/>
     </style:style>
     <style:style style:name="gr14" style:family="graphic" style:parent-style-name="standard">
-      <style:graphic-properties draw:stroke="none" svg:stroke-color="#000000" draw:fill="none" draw:fill-color="#ffffff" draw:auto-grow-height="true" draw:auto-grow-width="false" fo:max-height="0cm" fo:min-height="1.123cm"/>
-      <style:paragraph-properties style:writing-mode="lr-tb"/>
-    </style:style>
-    <style:style style:name="gr15" style:family="graphic" style:parent-style-name="standard" style:list-style-name="L4">
-      <style:graphic-properties draw:stroke="none" svg:stroke-width="0cm" draw:fill="none" draw:textarea-vertical-align="top" draw:auto-grow-height="true" draw:fit-to-size="false" style:shrink-to-fit="false" fo:min-height="0cm" fo:min-width="0cm" fo:padding-top="0cm" fo:padding-bottom="0cm" fo:padding-left="0cm" fo:padding-right="0cm" fo:wrap-option="wrap"/>
+      <style:graphic-properties svg:stroke-opacity="0%" draw:fill-color="#ff860d" draw:textarea-horizontal-align="justify" draw:textarea-vertical-align="middle" draw:auto-grow-height="false" fo:min-height="7.75cm" fo:min-width="7.5cm"/>
+    </style:style>
+    <style:style style:name="gr15" style:family="graphic" style:parent-style-name="standard">
+      <style:graphic-properties draw:stroke="none" svg:stroke-color="#000000" draw:fill="none" draw:fill-color="#ffffff" draw:auto-grow-height="true" draw:auto-grow-width="false" fo:max-height="0cm" fo:min-height="0cm"/>
       <style:paragraph-properties style:writing-mode="lr-tb"/>
     </style:style>
     <style:style style:name="gr16" style:family="graphic" style:parent-style-name="standard" style:list-style-name="L3">
       <style:graphic-properties draw:stroke="none" svg:stroke-width="0cm" draw:fill="none" draw:textarea-vertical-align="top" draw:auto-grow-height="true" draw:fit-to-size="false" style:shrink-to-fit="false" fo:min-height="0cm" fo:min-width="0cm" fo:padding-top="0cm" fo:padding-bottom="0cm" fo:padding-left="0cm" fo:padding-right="0cm" fo:wrap-option="wrap"/>
       <style:paragraph-properties style:writing-mode="lr-tb"/>
     </style:style>
-    <style:style style:name="gr17" style:family="graphic" style:parent-style-name="standard" style:list-style-name="L4">
-      <style:graphic-properties draw:stroke="none" svg:stroke-width="0cm" draw:fill="none" draw:textarea-vertical-align="top" draw:auto-grow-height="true" draw:fit-to-size="false" style:shrink-to-fit="false" fo:min-height="0cm" fo:min-width="0cm" fo:padding-top="0cm" fo:padding-bottom="0cm" fo:padding-left="0cm" fo:padding-right="0cm" fo:wrap-option="wrap"/>
+    <style:style style:name="gr17" style:family="graphic" style:parent-style-name="standard">
+      <style:graphic-properties draw:stroke="none" svg:stroke-color="#000000" draw:fill="none" draw:fill-color="#ffffff" draw:auto-grow-height="true" draw:auto-grow-width="false" fo:max-height="0cm" fo:min-height="12.507cm"/>
       <style:paragraph-properties style:writing-mode="lr-tb"/>
     </style:style>
     <style:style style:name="gr18" style:family="graphic" style:parent-style-name="standard" style:list-style-name="L3">
       <style:graphic-properties draw:stroke="none" svg:stroke-width="0cm" draw:fill="none" draw:textarea-vertical-align="top" draw:auto-grow-height="true" draw:fit-to-size="false" style:shrink-to-fit="false" fo:min-height="0cm" fo:min-width="0cm" fo:padding-top="0cm" fo:padding-bottom="0cm" fo:padding-left="0cm" fo:padding-right="0cm" fo:wrap-option="wrap"/>
+      <style:paragraph-properties style:writing-mode="lr-tb"/>
+    </style:style>
+    <style:style style:name="gr19" style:family="graphic" style:parent-style-name="standard" style:list-style-name="L4">
+      <style:graphic-properties draw:stroke="none" svg:stroke-width="0cm" draw:fill="none" draw:textarea-vertical-align="top" draw:auto-grow-height="true" draw:fit-to-size="false" style:shrink-to-fit="false" fo:min-height="0cm" fo:min-width="0cm" fo:padding-top="0cm" fo:padding-bottom="0cm" fo:padding-left="0cm" fo:padding-right="0cm" fo:wrap-option="wrap"/>
+      <style:paragraph-properties style:writing-mode="lr-tb"/>
+    </style:style>
+    <style:style style:name="gr20" style:family="graphic" style:parent-style-name="standard" style:list-style-name="L4">
+      <style:graphic-properties draw:stroke="none" svg:stroke-width="0cm" draw:fill="none" draw:textarea-vertical-align="top" draw:auto-grow-height="true" draw:fit-to-size="false" style:shrink-to-fit="false" fo:min-height="0cm" fo:min-width="0cm" fo:padding-top="0cm" fo:padding-bottom="0cm" fo:padding-left="0cm" fo:padding-right="0cm" fo:wrap-option="wrap"/>
+      <style:paragraph-properties style:writing-mode="lr-tb"/>
+    </style:style>
+    <style:style style:name="gr21" style:family="graphic" style:parent-style-name="standard">
+      <style:graphic-properties draw:stroke="none" svg:stroke-color="#000000" draw:fill="none" draw:fill-color="#ffffff" draw:auto-grow-height="true" draw:auto-grow-width="false" fo:max-height="0cm" fo:min-height="1.123cm"/>
+      <style:paragraph-properties style:writing-mode="lr-tb"/>
+    </style:style>
+    <style:style style:name="gr22" style:family="graphic" style:parent-style-name="standard" style:list-style-name="L4">
+      <style:graphic-properties draw:stroke="none" svg:stroke-width="0cm" draw:fill="none" draw:textarea-vertical-align="top" draw:auto-grow-height="true" draw:fit-to-size="false" style:shrink-to-fit="false" fo:min-height="0cm" fo:min-width="0cm" fo:padding-top="0cm" fo:padding-bottom="0cm" fo:padding-left="0cm" fo:padding-right="0cm" fo:wrap-option="wrap"/>
+      <style:paragraph-properties style:writing-mode="lr-tb"/>
+    </style:style>
+    <style:style style:name="gr23" style:family="graphic" style:parent-style-name="standard" style:list-style-name="L3">
+      <style:graphic-properties draw:stroke="none" svg:stroke-width="0cm" draw:fill="none" draw:textarea-vertical-align="top" draw:auto-grow-height="true" draw:fit-to-size="false" style:shrink-to-fit="false" fo:min-height="0cm" fo:min-width="0cm" fo:padding-top="0cm" fo:padding-bottom="0cm" fo:padding-left="0cm" fo:padding-right="0cm" fo:wrap-option="wrap"/>
+      <style:paragraph-properties style:writing-mode="lr-tb"/>
+    </style:style>
+    <style:style style:name="gr24" style:family="graphic" style:parent-style-name="standard" style:list-style-name="L4">
+      <style:graphic-properties draw:stroke="none" svg:stroke-width="0cm" draw:fill="none" draw:textarea-vertical-align="top" draw:auto-grow-height="true" draw:fit-to-size="false" style:shrink-to-fit="false" fo:min-height="0cm" fo:min-width="0cm" fo:padding-top="0cm" fo:padding-bottom="0cm" fo:padding-left="0cm" fo:padding-right="0cm" fo:wrap-option="wrap"/>
+      <style:paragraph-properties style:writing-mode="lr-tb"/>
+    </style:style>
+    <style:style style:name="gr25" style:family="graphic" style:parent-style-name="standard" style:list-style-name="L3">
+      <style:graphic-properties draw:stroke="none" svg:stroke-width="0cm" draw:fill="none" draw:textarea-vertical-align="top" draw:auto-grow-height="true" draw:fit-to-size="false" style:shrink-to-fit="false" fo:min-height="0cm" fo:min-width="0cm" fo:padding-top="0cm" fo:padding-bottom="0cm" fo:padding-left="0cm" fo:padding-right="0cm" fo:wrap-option="wrap"/>
+      <style:paragraph-properties style:writing-mode="lr-tb"/>
+    </style:style>
+    <style:style style:name="gr26" style:family="graphic" style:parent-style-name="standard">
+      <style:graphic-properties draw:stroke="none" svg:stroke-color="#000000" draw:fill="none" draw:fill-color="#ffffff" draw:auto-grow-height="true" draw:auto-grow-width="false" fo:max-height="0cm" fo:min-height="7.353cm"/>
+      <style:paragraph-properties style:writing-mode="lr-tb"/>
+    </style:style>
+    <style:style style:name="gr27" style:family="graphic" style:parent-style-name="standard" style:list-style-name="L4">
+      <style:graphic-properties draw:stroke="none" svg:stroke-width="0cm" draw:fill="none" draw:textarea-vertical-align="top" draw:auto-grow-height="true" draw:fit-to-size="false" style:shrink-to-fit="false" fo:min-height="0cm" fo:min-width="0cm" fo:padding-top="0cm" fo:padding-bottom="0cm" fo:padding-left="0cm" fo:padding-right="0cm" fo:wrap-option="wrap"/>
+      <style:paragraph-properties style:writing-mode="lr-tb"/>
+    </style:style>
+    <style:style style:name="gr28" style:family="graphic" style:parent-style-name="standard" style:list-style-name="L3">
+      <style:graphic-properties draw:stroke="none" svg:stroke-width="0cm" draw:fill="none" draw:textarea-vertical-align="top" draw:auto-grow-height="true" draw:fit-to-size="false" style:shrink-to-fit="false" fo:min-height="0cm" fo:min-width="0cm" fo:padding-top="0cm" fo:padding-bottom="0cm" fo:padding-left="0cm" fo:padding-right="0cm" fo:wrap-option="wrap"/>
+      <style:paragraph-properties style:writing-mode="lr-tb"/>
+    </style:style>
+    <style:style style:name="gr29" style:family="graphic" style:parent-style-name="색과_20_선이_20_없는_20_개체">
+      <style:graphic-properties draw:textarea-horizontal-align="center" draw:textarea-vertical-align="middle" draw:color-mode="standard" draw:luminance="0%" draw:contrast="0%" draw:gamma="100%" draw:red="0%" draw:green="0%" draw:blue="0%" fo:clip="rect(0cm, 0cm, 0cm, 0cm)" draw:image-opacity="100%" style:mirror="none"/>
+    </style:style>
+    <style:style style:name="gr30" style:family="graphic" style:parent-style-name="standard" style:list-style-name="L4">
+      <style:graphic-properties draw:stroke="none" svg:stroke-width="0cm" draw:fill="none" draw:textarea-vertical-align="top" draw:auto-grow-height="true" draw:fit-to-size="false" style:shrink-to-fit="false" fo:min-height="0cm" fo:min-width="0cm" fo:padding-top="0cm" fo:padding-bottom="0cm" fo:padding-left="0cm" fo:padding-right="0cm" fo:wrap-option="wrap"/>
+      <style:paragraph-properties style:writing-mode="lr-tb"/>
+    </style:style>
+    <style:style style:name="gr31" style:family="graphic" style:parent-style-name="standard" style:list-style-name="L3">
+      <style:graphic-properties draw:stroke="none" svg:stroke-width="0cm" draw:fill="none" draw:textarea-vertical-align="top" draw:auto-grow-height="true" draw:fit-to-size="false" style:shrink-to-fit="false" fo:min-height="0cm" fo:min-width="0cm" fo:padding-top="0cm" fo:padding-bottom="0cm" fo:padding-left="0cm" fo:padding-right="0cm" fo:wrap-option="wrap"/>
+      <style:paragraph-properties style:writing-mode="lr-tb"/>
+    </style:style>
+    <style:style style:name="gr32" style:family="graphic" style:parent-style-name="standard">
+      <style:graphic-properties svg:stroke-opacity="0%" draw:fill-color="#808080" draw:textarea-horizontal-align="justify" draw:textarea-vertical-align="middle" draw:auto-grow-height="false" fo:min-height="1.661cm" fo:min-width="4cm"/>
+    </style:style>
+    <style:style style:name="gr33" style:family="graphic" style:parent-style-name="standard">
+      <style:graphic-properties svg:stroke-opacity="100%" draw:fill-color="#ffffff" draw:opacity="100%" draw:opacity-name="" draw:textarea-horizontal-align="justify" draw:textarea-vertical-align="middle" draw:auto-grow-height="false" fo:min-height="7.75cm" fo:min-width="7.5cm"/>
+    </style:style>
+    <style:style style:name="gr34" style:family="graphic" style:parent-style-name="standard">
+      <style:graphic-properties draw:stroke="none" svg:stroke-color="#000000" draw:fill="none" draw:fill-color="#4e102d" draw:auto-grow-height="true" draw:auto-grow-width="false" fo:max-height="0cm" fo:min-height="7.749cm"/>
+      <style:paragraph-properties style:writing-mode="lr-tb"/>
+    </style:style>
+    <style:style style:name="gr35" style:family="graphic" style:parent-style-name="standard">
+      <style:graphic-properties svg:stroke-opacity="0%" draw:fill-color="#808080" draw:opacity="100%" draw:opacity-name="" draw:textarea-horizontal-align="justify" draw:textarea-vertical-align="middle" draw:auto-grow-height="false" fo:min-height="1.661cm" fo:min-width="4cm"/>
+    </style:style>
+    <style:style style:name="gr36" style:family="graphic" style:parent-style-name="standard">
+      <style:graphic-properties draw:stroke="none" svg:stroke-color="#000000" draw:fill="none" draw:fill-color="#ffffff" draw:auto-grow-height="true" draw:auto-grow-width="false" fo:max-height="0cm" fo:min-height="7.75cm"/>
       <style:paragraph-properties style:writing-mode="lr-tb"/>
     </style:style>
     <style:style style:name="pr1" style:family="presentation" style:parent-style-name="기본값-title">
@@ -182,59 +248,120 @@
       <style:text-properties fo:font-size="18pt" fo:hyphenate="false"/>
     </style:style>
     <style:style style:name="P12" style:family="paragraph">
-      <style:paragraph-properties style:writing-mode="lr-tb"/>
-      <style:text-properties fo:font-size="20pt" style:font-size-asian="20pt" style:font-size-complex="20pt"/>
+      <loext:graphic-properties draw:fill-color="#808080"/>
+      <style:paragraph-properties fo:text-align="center"/>
     </style:style>
     <style:style style:name="P13" style:family="paragraph">
-      <style:paragraph-properties fo:margin-top="0.3cm" fo:margin-bottom="0cm"/>
+      <loext:graphic-properties draw:fill-color="#ec9ba4"/>
+      <style:paragraph-properties fo:text-align="center"/>
     </style:style>
     <style:style style:name="P14" style:family="paragraph">
       <loext:graphic-properties draw:fill="none" draw:fill-color="#ffffff"/>
+    </style:style>
+    <style:style style:name="P15" style:family="paragraph">
+      <loext:graphic-properties draw:fill="none" draw:fill-color="#666666"/>
+    </style:style>
+    <style:style style:name="P16" style:family="paragraph">
+      <loext:graphic-properties draw:fill-color="#ff860d"/>
+      <style:paragraph-properties fo:text-align="center"/>
+    </style:style>
+    <style:style style:name="P17" style:family="paragraph">
+      <style:paragraph-properties style:writing-mode="lr-tb"/>
+      <style:text-properties fo:font-size="20pt" style:font-size-asian="20pt" style:font-size-complex="20pt"/>
+    </style:style>
+    <style:style style:name="P18" style:family="paragraph">
+      <style:paragraph-properties fo:margin-top="0.3cm" fo:margin-bottom="0cm"/>
+    </style:style>
+    <style:style style:name="P19" style:family="paragraph">
+      <loext:graphic-properties draw:fill="none" draw:fill-color="#ffffff"/>
       <style:paragraph-properties style:writing-mode="lr-tb"/>
       <style:text-properties fo:font-weight="bold"/>
     </style:style>
-    <style:style style:name="P15" style:family="paragraph">
+    <style:style style:name="P20" style:family="paragraph">
       <style:paragraph-properties fo:margin-left="0cm" fo:margin-right="0cm" fo:margin-top="0cm" fo:margin-bottom="0cm" fo:line-height="1.417cm" fo:text-align="center" fo:text-indent="0cm" style:punctuation-wrap="hanging" style:writing-mode="lr-tb"/>
       <style:text-properties fo:font-size="20pt" style:font-size-asian="20pt" style:font-size-complex="20pt" fo:hyphenate="false"/>
     </style:style>
-    <style:style style:name="P16" style:family="paragraph">
+    <style:style style:name="P21" style:family="paragraph">
       <loext:graphic-properties draw:fill="none"/>
       <style:paragraph-properties fo:margin-left="0cm" fo:margin-right="0cm" fo:margin-top="0cm" fo:margin-bottom="0cm" fo:line-height="1.417cm" fo:text-align="center" fo:text-indent="0cm" style:punctuation-wrap="hanging" style:writing-mode="lr-tb" style:font-independent-line-spacing="true"/>
       <style:text-properties fo:font-size="20pt" style:font-size-asian="20pt" style:font-size-complex="20pt" fo:hyphenate="false"/>
     </style:style>
-    <style:style style:name="P17" style:family="paragraph">
+    <style:style style:name="P22" style:family="paragraph">
       <style:paragraph-properties fo:margin-left="0cm" fo:margin-right="0cm" fo:margin-top="0cm" fo:margin-bottom="0cm" fo:line-height="1.378cm" fo:text-align="center" fo:text-indent="0cm" style:punctuation-wrap="hanging" style:writing-mode="lr-tb"/>
       <style:text-properties fo:font-size="20pt" style:font-size-asian="20pt" style:font-size-complex="20pt" fo:hyphenate="false"/>
     </style:style>
-    <style:style style:name="P18" style:family="paragraph">
+    <style:style style:name="P23" style:family="paragraph">
       <loext:graphic-properties draw:fill="none"/>
       <style:paragraph-properties fo:margin-left="0cm" fo:margin-right="0cm" fo:margin-top="0cm" fo:margin-bottom="0cm" fo:line-height="1.378cm" fo:text-align="center" fo:text-indent="0cm" style:punctuation-wrap="hanging" style:writing-mode="lr-tb" style:font-independent-line-spacing="true"/>
       <style:text-properties fo:font-size="20pt" style:font-size-asian="20pt" style:font-size-complex="20pt" fo:hyphenate="false"/>
     </style:style>
-    <style:style style:name="P19" style:family="paragraph">
+    <style:style style:name="P24" style:family="paragraph">
       <loext:graphic-properties draw:fill="none" draw:fill-color="#ffffff"/>
       <style:paragraph-properties style:writing-mode="lr-tb"/>
-      <style:text-properties style:font-name="Noto Sans CJK JP Black" fo:font-size="22pt" fo:font-weight="normal"/>
-    </style:style>
-    <style:style style:name="P20" style:family="paragraph">
+      <style:text-properties style:font-name="Noto Sans CJK JP Black1" fo:font-size="22pt" fo:font-weight="normal"/>
+    </style:style>
+    <style:style style:name="P25" style:family="paragraph">
       <loext:graphic-properties draw:fill="none" draw:fill-color="#ffffff"/>
       <style:paragraph-properties style:writing-mode="lr-tb"/>
-      <style:text-properties style:font-name="Noto Sans CJK JP Black" fo:font-size="22pt" fo:font-weight="bold"/>
-    </style:style>
-    <style:style style:name="P21" style:family="paragraph">
+      <style:text-properties style:font-name="Noto Sans CJK JP Black1" fo:font-size="22pt" fo:font-weight="bold"/>
+    </style:style>
+    <style:style style:name="P26" style:family="paragraph">
       <style:paragraph-properties fo:margin-left="0cm" fo:margin-right="0cm" fo:margin-top="0.2cm" fo:margin-bottom="0cm" fo:line-height="100%" fo:text-align="center" fo:text-indent="0cm" style:punctuation-wrap="hanging" style:writing-mode="lr-tb"/>
       <style:text-properties fo:font-size="18pt" style:font-size-asian="18pt" style:font-size-complex="18pt" fo:hyphenate="false"/>
     </style:style>
-    <style:style style:name="P22" style:family="paragraph">
+    <style:style style:name="P27" style:family="paragraph">
       <loext:graphic-properties draw:fill="none"/>
       <style:paragraph-properties fo:margin-left="0cm" fo:margin-right="0cm" fo:margin-top="0.2cm" fo:margin-bottom="0cm" fo:line-height="100%" fo:text-align="center" fo:text-indent="0cm" style:punctuation-wrap="hanging" style:writing-mode="lr-tb" style:font-independent-line-spacing="true"/>
       <style:text-properties fo:font-size="18pt" style:font-size-asian="18pt" style:font-size-complex="18pt" fo:hyphenate="false"/>
     </style:style>
-    <style:style style:name="P23" style:family="paragraph">
+    <style:style style:name="P28" style:family="paragraph">
       <loext:graphic-properties draw:fill="none"/>
       <style:paragraph-properties fo:margin-left="0cm" fo:margin-right="0cm" fo:margin-top="0cm" fo:margin-bottom="0cm" fo:line-height="1.417cm" fo:text-align="center" fo:text-indent="0cm" style:punctuation-wrap="hanging" style:writing-mode="lr-tb" style:font-independent-line-spacing="true"/>
       <style:text-properties fo:font-size="18pt" fo:hyphenate="false"/>
     </style:style>
+    <style:style style:name="P29" style:family="paragraph">
+      <style:paragraph-properties fo:margin-top="0cm" fo:margin-bottom="0cm"/>
+    </style:style>
+    <style:style style:name="P30" style:family="paragraph">
+      <loext:graphic-properties draw:fill="none" draw:fill-color="#ffffff"/>
+      <style:paragraph-properties fo:margin-top="0cm" fo:margin-bottom="0cm"/>
+    </style:style>
+    <style:style style:name="P31" style:family="paragraph">
+      <style:paragraph-properties fo:text-align="center"/>
+    </style:style>
+    <style:style style:name="P32" style:family="paragraph">
+      <loext:graphic-properties draw:fill-color="#ffffff" draw:opacity="100%"/>
+      <style:paragraph-properties fo:text-align="center"/>
+    </style:style>
+    <style:style style:name="P33" style:family="paragraph">
+      <style:text-properties fo:font-size="12pt" style:font-size-asian="12pt" style:font-size-complex="12pt"/>
+    </style:style>
+    <style:style style:name="P34" style:family="paragraph">
+      <loext:graphic-properties draw:fill="none" draw:fill-color="#4e102d"/>
+      <style:text-properties fo:font-size="12pt" style:font-size-asian="12pt" style:font-size-complex="12pt"/>
+    </style:style>
+    <style:style style:name="P35" style:family="paragraph">
+      <style:text-properties fo:font-weight="bold" style:font-weight-asian="bold" style:font-weight-complex="bold"/>
+    </style:style>
+    <style:style style:name="P36" style:family="paragraph">
+      <loext:graphic-properties draw:fill="none" draw:fill-color="#666666"/>
+      <style:text-properties fo:font-weight="bold" style:font-weight-asian="bold" style:font-weight-complex="bold"/>
+    </style:style>
+    <style:style style:name="P37" style:family="paragraph">
+      <loext:graphic-properties draw:fill-color="#808080" draw:opacity="100%"/>
+      <style:paragraph-properties fo:text-align="center"/>
+    </style:style>
+    <style:style style:name="P38" style:family="paragraph">
+      <style:text-properties fo:color="#000000" loext:opacity="100%" fo:font-size="12pt" style:font-size-asian="12pt" style:font-size-complex="12pt"/>
+    </style:style>
+    <style:style style:name="P39" style:family="paragraph">
+      <loext:graphic-properties draw:fill="none" draw:fill-color="#ffffff"/>
+      <style:text-properties fo:color="#000000" loext:opacity="100%" fo:font-size="12pt" style:font-size-asian="12pt" style:font-size-complex="12pt"/>
+    </style:style>
+    <style:style style:name="P40" style:family="paragraph">
+      <loext:graphic-properties draw:fill="none" draw:fill-color="#ffffff"/>
+      <style:text-properties fo:font-weight="bold" style:font-weight-asian="bold" style:font-weight-complex="bold"/>
+    </style:style>
     <style:style style:name="T1" style:family="text">
       <style:text-properties fo:font-size="20pt" style:font-size-asian="26pt" style:font-size-complex="26pt"/>
     </style:style>
@@ -245,7 +372,7 @@
       <style:text-properties style:font-name="Saab" style:font-name-asian="Saab"/>
     </style:style>
     <style:style style:name="T4" style:family="text">
-      <style:text-properties fo:font-variant="normal" fo:text-transform="none" fo:color="#f7f2ec" loext:opacity="100%" style:text-line-through-style="none" style:text-line-through-type="none" style:text-position="0% 100%" style:font-name="Open Sans Bold1" fo:font-size="39.5pt" fo:letter-spacing="normal" fo:language="en" fo:country="US" fo:font-style="normal" style:text-underline-style="none" fo:font-weight="bold" fo:background-color="transparent" style:font-name-asian="Open Sans Bold1" style:font-size-asian="39.5pt" style:font-style-asian="normal" style:font-weight-asian="bold" style:font-name-complex="Open Sans Bold1" style:font-size-complex="39.5pt" style:font-style-complex="normal" style:font-weight-complex="bold"/>
+      <style:text-properties fo:font-variant="normal" fo:text-transform="none" fo:color="#f7f2ec" loext:opacity="100%" style:text-line-through-style="none" style:text-line-through-type="none" style:text-position="0% 100%" style:font-name="Open Sans Bold" fo:font-size="39.5pt" fo:letter-spacing="normal" fo:language="en" fo:country="US" fo:font-style="normal" style:text-underline-style="none" fo:font-weight="bold" fo:background-color="transparent" style:font-name-asian="Open Sans Bold" style:font-size-asian="39.5pt" style:font-style-asian="normal" style:font-weight-asian="bold" style:font-name-complex="Open Sans Bold" style:font-size-complex="39.5pt" style:font-style-complex="normal" style:font-weight-complex="bold"/>
     </style:style>
     <style:style style:name="T5" style:family="text">
       <style:text-properties fo:font-size="20pt" style:font-size-asian="20pt" style:font-size-complex="20pt"/>
@@ -263,16 +390,25 @@
       <style:text-properties fo:font-size="21pt" fo:font-weight="bold" style:font-size-asian="21pt" style:font-weight-asian="bold" style:font-size-complex="21pt" style:font-weight-complex="bold"/>
     </style:style>
     <style:style style:name="T10" style:family="text">
-      <style:text-properties fo:font-variant="normal" fo:text-transform="none" fo:color="#000000" loext:opacity="100%" style:text-line-through-style="none" style:text-line-through-type="none" style:text-position="0% 100%" style:font-name="Open Sans Bold1" fo:font-size="20pt" fo:letter-spacing="normal" fo:language="en" fo:country="US" fo:font-style="normal" style:text-underline-style="none" fo:font-weight="bold" fo:background-color="transparent" style:font-name-asian="Open Sans Bold1" style:font-size-asian="20pt" style:font-style-asian="normal" style:font-weight-asian="bold" style:font-name-complex="Open Sans Bold1" style:font-size-complex="20pt" style:font-style-complex="normal" style:font-weight-complex="bold"/>
+      <style:text-properties fo:font-variant="normal" fo:text-transform="none" fo:color="#000000" loext:opacity="100%" style:text-line-through-style="none" style:text-line-through-type="none" style:text-position="0% 100%" style:font-name="Open Sans Bold" fo:font-size="20pt" fo:letter-spacing="normal" fo:language="en" fo:country="US" fo:font-style="normal" style:text-underline-style="none" fo:font-weight="bold" fo:background-color="transparent" style:font-name-asian="Open Sans Bold" style:font-size-asian="20pt" style:font-style-asian="normal" style:font-weight-asian="bold" style:font-name-complex="Open Sans Bold" style:font-size-complex="20pt" style:font-style-complex="normal" style:font-weight-complex="bold"/>
     </style:style>
     <style:style style:name="T11" style:family="text">
-      <style:text-properties style:font-name="Noto Sans CJK JP Black" fo:font-size="22pt" fo:font-weight="normal"/>
+      <style:text-properties style:font-name="Noto Sans CJK JP Black1" fo:font-size="22pt" fo:font-weight="normal"/>
     </style:style>
     <style:style style:name="T12" style:family="text">
-      <style:text-properties style:font-name="Noto Sans CJK JP Black" fo:font-size="22pt"/>
+      <style:text-properties style:font-name="Noto Sans CJK JP Black1" fo:font-size="22pt"/>
     </style:style>
     <style:style style:name="T13" style:family="text">
-      <style:text-properties fo:font-variant="normal" fo:text-transform="none" fo:color="#000000" loext:opacity="100%" style:text-line-through-style="none" style:text-line-through-type="none" style:text-position="0% 100%" style:font-name="Open Sans Bold1" fo:font-size="20pt" fo:letter-spacing="normal" fo:language="en" fo:country="US" fo:font-style="normal" style:text-underline-style="none" fo:font-weight="bold" fo:background-color="transparent" style:font-name-asian="Open Sans Bold1" style:font-size-asian="23.7999992370605pt" style:font-style-asian="normal" style:font-weight-asian="bold" style:font-name-complex="Open Sans Bold1" style:font-size-complex="23.7999992370605pt" style:font-style-complex="normal" style:font-weight-complex="bold"/>
+      <style:text-properties fo:font-variant="normal" fo:text-transform="none" fo:color="#000000" loext:opacity="100%" style:text-line-through-style="none" style:text-line-through-type="none" style:text-position="0% 100%" style:font-name="Open Sans Bold" fo:font-size="20pt" fo:letter-spacing="normal" fo:language="en" fo:country="US" fo:font-style="normal" style:text-underline-style="none" fo:font-weight="bold" fo:background-color="transparent" style:font-name-asian="Open Sans Bold" style:font-size-asian="23.7999992370605pt" style:font-style-asian="normal" style:font-weight-asian="bold" style:font-name-complex="Open Sans Bold" style:font-size-complex="23.7999992370605pt" style:font-style-complex="normal" style:font-weight-complex="bold"/>
+    </style:style>
+    <style:style style:name="T14" style:family="text">
+      <style:text-properties fo:font-size="12pt" style:font-size-asian="12pt" style:font-size-complex="12pt"/>
+    </style:style>
+    <style:style style:name="T15" style:family="text">
+      <style:text-properties fo:font-weight="bold" style:font-weight-asian="bold" style:font-weight-complex="bold"/>
+    </style:style>
+    <style:style style:name="T16" style:family="text">
+      <style:text-properties fo:color="#000000" loext:opacity="100%" fo:font-size="12pt" style:font-size-asian="12pt" style:font-size-complex="12pt"/>
     </style:style>
     <text:list-style style:name="L1">
       <text:list-level-style-bullet text:level="1" text:bullet-char="●">
@@ -463,22 +599,13 @@
           <draw:text-box>
             <text:p>
               <text:span text:style-name="T1">
-                <text:s text:c="5"/>
+                <text:s text:c="7"/>
               </text:span>
-              <text:span text:style-name="T1">
-                <text:s text:c="2"/>
-              </text:span>
-              <text:span text:style-name="T1">발</text:span>
-              <text:span text:style-name="T1">표</text:span>
-              <text:span text:style-name="T1">자 </text:span>
+              <text:span text:style-name="T1">발표자 </text:span>
               <text:span text:style-name="T1">: </text:span>
-              <text:span text:style-name="T1">문</text:span>
-              <text:span text:style-name="T1">재</text:span>
-              <text:span text:style-name="T1">웅</text:span>
+              <text:span text:style-name="T1">문재웅</text:span>
               <text:span text:style-name="T1">,</text:span>
-              <text:span text:style-name="T1">정</text:span>
-              <text:span text:style-name="T1">수</text:span>
-              <text:span text:style-name="T1">빈</text:span>
+              <text:span text:style-name="T1">정수빈</text:span>
             </text:p>
           </draw:text-box>
         </draw:frame>
@@ -564,7 +691,7 @@
       <draw:page draw:name="page3" draw:style-name="dp1" draw:master-page-name="기본값" presentation:presentation-page-layout-name="AL2T1">
         <draw:frame presentation:style-name="pr1" draw:text-style-name="P1" draw:layer="layout" svg:width="25.199cm" svg:height="2.629cm" svg:x="1.4cm" svg:y="0.628cm" presentation:class="title" presentation:user-transformed="true">
           <draw:text-box>
-            <text:p>프로젝트 개요 및 소개</text:p>
+            <text:p>프로젝트 개요</text:p>
           </draw:text-box>
         </draw:frame>
         <draw:frame presentation:style-name="pr5" draw:text-style-name="P7" draw:layer="layout" svg:width="25.199cm" svg:height="5.634cm" svg:x="1.5cm" svg:y="5.366cm" presentation:class="outline" presentation:user-transformed="true">
@@ -632,12 +759,99 @@
         </presentation:notes>
       </draw:page>
       <draw:page draw:name="page4" draw:style-name="dp1" draw:master-page-name="기본값" presentation:presentation-page-layout-name="AL2T1">
+        <draw:frame presentation:style-name="pr1" draw:text-style-name="P1" draw:layer="layout" svg:width="25.199cm" svg:height="2.629cm" svg:x="1.4cm" svg:y="0.628cm" presentation:class="title" presentation:user-transformed="true">
+          <draw:text-box>
+            <text:p>팀원 소개 및 역할</text:p>
+          </draw:text-box>
+        </draw:frame>
+        <draw:custom-shape draw:style-name="gr4" draw:text-style-name="P6" draw:layer="layout" svg:width="3cm" svg:height="2.75cm" svg:x="25cm" svg:y="0cm">
+          <text:p/>
+          <draw:enhanced-geometry svg:viewBox="0 0 21600 21600" draw:type="rectangle" draw:enhanced-path="M 0 0 L 21600 0 21600 21600 0 21600 0 0 Z N"/>
+        </draw:custom-shape>
+        <draw:custom-shape draw:style-name="gr3" draw:text-style-name="P5" draw:layer="layout" svg:width="3cm" svg:height="2.75cm" svg:x="0cm" svg:y="13cm">
+          <text:p/>
+          <draw:enhanced-geometry svg:viewBox="0 0 21600 21600" draw:type="rectangle" draw:enhanced-path="M 0 0 L 21600 0 21600 21600 0 21600 0 0 Z N"/>
+        </draw:custom-shape>
+        <draw:g draw:name="Group 8">
+          <draw:custom-shape draw:name="Freeform 8" draw:style-name="gr6" draw:text-style-name="P8" draw:layer="layout" svg:width="2.548cm" svg:height="2.576cm" svg:x="-0.048cm" svg:y="0.024cm">
+            <text:p/>
+            <draw:enhanced-geometry draw:mirror-horizontal="false" draw:mirror-vertical="false" svg:viewBox="0 0 0 0" drawooo:sub-view-size="649019 695814" draw:text-areas="0 0 ?f0 ?f1" draw:type="ooxml-non-primitive" draw:enhanced-path="M 0 0 L 649019 0 649019 695814 0 695814 Z N">
+              <draw:equation draw:name="f0" draw:formula="logwidth"/>
+              <draw:equation draw:name="f1" draw:formula="logheight"/>
+            </draw:enhanced-geometry>
+          </draw:custom-shape>
+          <draw:custom-shape draw:name="TextBox 19" draw:style-name="gr7" draw:text-style-name="P9" draw:layer="layout" svg:width="2.548cm" svg:height="3cm" svg:x="-0.048cm" svg:y="-0.4cm">
+            <text:p/>
+            <draw:enhanced-geometry draw:mirror-horizontal="false" draw:mirror-vertical="false" svg:viewBox="0 0 0 0" draw:text-areas="0 0 ?f3 ?f2" draw:type="ooxml-rect" draw:enhanced-path="M 0 0 L ?f3 0 ?f3 ?f2 0 ?f2 Z N">
+              <draw:equation draw:name="f0" draw:formula="logwidth/2"/>
+              <draw:equation draw:name="f1" draw:formula="logheight/2"/>
+              <draw:equation draw:name="f2" draw:formula="logheight"/>
+              <draw:equation draw:name="f3" draw:formula="logwidth"/>
+            </draw:enhanced-geometry>
+          </draw:custom-shape>
+        </draw:g>
+        <draw:custom-shape draw:name="TextBox 20" draw:style-name="gr9" draw:text-style-name="P11" draw:layer="layout" svg:width="2.169cm" svg:height="2.358cm" svg:x="0.141cm" svg:y="0.116cm">
+          <text:p text:style-name="P10">
+            <text:span text:style-name="T4">01</text:span>
+          </text:p>
+          <draw:enhanced-geometry draw:mirror-horizontal="false" draw:mirror-vertical="false" svg:viewBox="0 0 0 0" draw:text-areas="0 0 ?f3 ?f2" draw:type="ooxml-rect" draw:enhanced-path="M 0 0 L ?f3 0 ?f3 ?f2 0 ?f2 Z N">
+            <draw:equation draw:name="f0" draw:formula="logwidth/2"/>
+            <draw:equation draw:name="f1" draw:formula="logheight/2"/>
+            <draw:equation draw:name="f2" draw:formula="logheight"/>
+            <draw:equation draw:name="f3" draw:formula="logwidth"/>
+          </draw:enhanced-geometry>
+        </draw:custom-shape>
+        <draw:custom-shape draw:style-name="gr10" draw:text-style-name="P12" draw:layer="layout" svg:width="4.5cm" svg:height="1.911cm" svg:x="2cm" svg:y="4cm">
+          <text:p/>
+          <draw:enhanced-geometry svg:viewBox="0 0 21600 21600" draw:type="rectangle" draw:enhanced-path="M 0 0 L 21600 0 21600 21600 0 21600 0 0 Z N"/>
+        </draw:custom-shape>
+        <draw:custom-shape draw:style-name="gr11" draw:text-style-name="P13" draw:layer="layout" svg:width="8cm" svg:height="8cm" svg:x="5.5cm" svg:y="5cm">
+          <text:p/>
+          <draw:enhanced-geometry svg:viewBox="0 0 21600 21600" draw:type="rectangle" draw:enhanced-path="M 0 0 L 21600 0 21600 21600 0 21600 0 0 Z N"/>
+        </draw:custom-shape>
+        <draw:frame draw:style-name="gr12" draw:text-style-name="P14" draw:layer="layout" svg:width="6cm" svg:height="5.765cm" svg:x="6cm" svg:y="5.5cm">
+          <draw:text-box>
+            <text:p>사람의 신체 요소를 파악하기 위해 pose-estimation 사용 </text:p>
+            <text:p>전면 객체 탐지를 위해 yolov5를 사용 </text:p>
+          </draw:text-box>
+        </draw:frame>
+        <draw:frame draw:style-name="gr13" draw:text-style-name="P15" draw:layer="layout" svg:width="6cm" svg:height="1.17cm" svg:x="2.5cm" svg:y="4.33cm">
+          <draw:text-box>
+            <text:p>정수빈</text:p>
+          </draw:text-box>
+        </draw:frame>
+        <draw:custom-shape draw:style-name="gr10" draw:text-style-name="P12" draw:layer="layout" svg:width="4.5cm" svg:height="1.911cm" svg:x="15cm" svg:y="4cm">
+          <text:p/>
+          <draw:enhanced-geometry svg:viewBox="0 0 21600 21600" draw:type="rectangle" draw:enhanced-path="M 0 0 L 21600 0 21600 21600 0 21600 0 0 Z N"/>
+        </draw:custom-shape>
+        <draw:custom-shape draw:style-name="gr14" draw:text-style-name="P16" draw:layer="layout" svg:width="8cm" svg:height="8cm" svg:x="18.5cm" svg:y="5cm">
+          <text:p/>
+          <draw:enhanced-geometry svg:viewBox="0 0 21600 21600" draw:type="rectangle" draw:enhanced-path="M 0 0 L 21600 0 21600 21600 0 21600 0 0 Z N"/>
+        </draw:custom-shape>
+        <draw:frame draw:style-name="gr12" draw:text-style-name="P14" draw:layer="layout" svg:width="6cm" svg:height="5.765cm" svg:x="19cm" svg:y="5.5cm">
+          <draw:text-box>
+            <text:p>장애물 충돌 감지를 위해 openvino(monodepth-estimation)사용해 충돌 경고 구현 및 코드 통합 </text:p>
+          </draw:text-box>
+        </draw:frame>
+        <draw:frame draw:style-name="gr15" draw:text-style-name="P14" draw:layer="layout" svg:width="6cm" svg:height="1.17cm" svg:x="15.5cm" svg:y="4.33cm">
+          <draw:text-box>
+            <text:p>문재웅</text:p>
+          </draw:text-box>
+        </draw:frame>
+        <presentation:notes draw:style-name="dp1">
+          <draw:page-thumbnail draw:style-name="gr5" draw:layer="layout" svg:width="19.798cm" svg:height="11.136cm" svg:x="0.6cm" svg:y="2.257cm" draw:page-number="4" presentation:class="page"/>
+          <draw:frame presentation:style-name="pr3" draw:text-style-name="P2" draw:layer="layout" svg:width="16.799cm" svg:height="13.364cm" svg:x="2.1cm" svg:y="14.107cm" presentation:class="notes" presentation:placeholder="true">
+            <draw:text-box/>
+          </draw:frame>
+        </presentation:notes>
+      </draw:page>
+      <draw:page draw:name="page5" draw:style-name="dp1" draw:master-page-name="기본값" presentation:presentation-page-layout-name="AL2T1">
         <draw:frame presentation:style-name="pr1" draw:text-style-name="P1" draw:layer="layout" svg:width="25.199cm" svg:height="2.629cm" svg:x="1.4cm" svg:y="0.628cm" presentation:class="title">
           <draw:text-box>
             <text:p>문제 정의</text:p>
           </draw:text-box>
         </draw:frame>
-        <draw:frame presentation:style-name="pr5" draw:text-style-name="P12" draw:layer="layout" svg:width="25.199cm" svg:height="9.134cm" svg:x="1.4cm" svg:y="3.685cm" presentation:class="outline" presentation:user-transformed="true">
+        <draw:frame presentation:style-name="pr5" draw:text-style-name="P17" draw:layer="layout" svg:width="25.199cm" svg:height="9.134cm" svg:x="1.4cm" svg:y="3.685cm" presentation:class="outline" presentation:user-transformed="true">
           <draw:text-box>
             <text:list text:style-name="L2">
               <text:list-header>
@@ -703,7 +917,7 @@
             </draw:enhanced-geometry>
           </draw:custom-shape>
         </draw:g>
-        <draw:custom-shape draw:name="TextBox 5" draw:style-name="gr9" draw:text-style-name="P11" draw:layer="layout" svg:width="2.169cm" svg:height="2.358cm" svg:x="0.142cm" svg:y="0.117cm">
+        <draw:custom-shape draw:name="TextBox 5" draw:style-name="gr16" draw:text-style-name="P11" draw:layer="layout" svg:width="2.169cm" svg:height="2.358cm" svg:x="0.142cm" svg:y="0.117cm">
           <text:p text:style-name="P10">
             <text:span text:style-name="T4">02</text:span>
           </text:p>
@@ -715,150 +929,68 @@
           </draw:enhanced-geometry>
         </draw:custom-shape>
         <presentation:notes draw:style-name="dp2">
-          <draw:page-thumbnail draw:style-name="gr5" draw:layer="layout" svg:width="19.798cm" svg:height="11.136cm" svg:x="0.6cm" svg:y="2.257cm" draw:page-number="4" presentation:class="page"/>
+          <draw:page-thumbnail draw:style-name="gr5" draw:layer="layout" svg:width="19.798cm" svg:height="11.136cm" svg:x="0.6cm" svg:y="2.257cm" draw:page-number="5" presentation:class="page"/>
           <draw:frame presentation:style-name="pr3" draw:text-style-name="P2" draw:layer="layout" svg:width="16.799cm" svg:height="13.364cm" svg:x="2.1cm" svg:y="14.107cm" presentation:class="notes" presentation:placeholder="true">
             <draw:text-box/>
           </draw:frame>
         </presentation:notes>
       </draw:page>
-      <draw:page draw:name="page5" draw:style-name="dp1" draw:master-page-name="기본값" presentation:presentation-page-layout-name="AL2T1">
+      <draw:page draw:name="page6" draw:style-name="dp1" draw:master-page-name="기본값" presentation:presentation-page-layout-name="AL2T1">
         <draw:frame presentation:style-name="pr1" draw:text-style-name="P1" draw:layer="layout" svg:width="25.199cm" svg:height="2.629cm" svg:x="1.4cm" svg:y="0.628cm" presentation:class="title">
           <draw:text-box>
             <text:p>프로젝트 목표</text:p>
           </draw:text-box>
         </draw:frame>
-        <draw:frame draw:style-name="gr10" draw:text-style-name="P14" draw:layer="layout" svg:width="23cm" svg:height="12.757cm" svg:x="2.5cm" svg:y="3.257cm">
-          <draw:text-box>
-            <text:p text:style-name="P13">
+        <draw:frame draw:style-name="gr17" draw:text-style-name="P19" draw:layer="layout" svg:width="23cm" svg:height="12.757cm" svg:x="2.5cm" svg:y="3.257cm">
+          <draw:text-box>
+            <text:p text:style-name="P18">
               <text:span text:style-name="T8">1. </text:span>
-              <text:span text:style-name="T9">기</text:span>
-              <text:span text:style-name="T9">술</text:span>
-              <text:span text:style-name="T9">적 </text:span>
-              <text:span text:style-name="T9">목</text:span>
-              <text:span text:style-name="T9">표</text:span>
-            </text:p>
-            <text:p text:style-name="P13">
+              <text:span text:style-name="T9">기술적 목표</text:span>
+            </text:p>
+            <text:p text:style-name="P18">
               <text:span text:style-name="T8">
                 <text:s text:c="4"/>
               </text:span>
               <text:span text:style-name="T8">- </text:span>
-              <text:span text:style-name="T8">객</text:span>
-              <text:span text:style-name="T8">체</text:span>
+              <text:span text:style-name="T8">객체</text:span>
               <text:span text:style-name="T8">(</text:span>
-              <text:span text:style-name="T8">제</text:span>
-              <text:span text:style-name="T8">품</text:span>
+              <text:span text:style-name="T8">제품</text:span>
               <text:span text:style-name="T8">)</text:span>
-              <text:span text:style-name="T8">인</text:span>
-              <text:span text:style-name="T8">식</text:span>
-            </text:p>
-            <text:p text:style-name="P13">
+              <text:span text:style-name="T8">인식</text:span>
+            </text:p>
+            <text:p text:style-name="P18">
               <text:span text:style-name="T8">
                 <text:s text:c="4"/>
               </text:span>
               <text:span text:style-name="T8">- </text:span>
-              <text:span text:style-name="T8">전</text:span>
-              <text:span text:style-name="T8">면 </text:span>
-              <text:span text:style-name="T8">장</text:span>
-              <text:span text:style-name="T8">애</text:span>
-              <text:span text:style-name="T8">물</text:span>
-              <text:span text:style-name="T8">의 </text:span>
-              <text:span text:style-name="T8">위</text:span>
-              <text:span text:style-name="T8">치 </text:span>
-              <text:span text:style-name="T8">및 </text:span>
-              <text:span text:style-name="T8">위</text:span>
-              <text:span text:style-name="T8">험</text:span>
-              <text:span text:style-name="T8">도 </text:span>
-              <text:span text:style-name="T8">인</text:span>
-              <text:span text:style-name="T8">식</text:span>
-            </text:p>
-            <text:p text:style-name="P13">
+              <text:span text:style-name="T8">전면 장애물의 위치 및 위험도 인식</text:span>
+            </text:p>
+            <text:p text:style-name="P18">
               <text:span text:style-name="T8">
                 <text:s text:c="4"/>
               </text:span>
               <text:span text:style-name="T8">- </text:span>
-              <text:span text:style-name="T8">사</text:span>
-              <text:span text:style-name="T8">람</text:span>
-              <text:span text:style-name="T8">의 </text:span>
-              <text:span text:style-name="T8">신</text:span>
-              <text:span text:style-name="T8">체 </text:span>
-              <text:span text:style-name="T8">위</text:span>
-              <text:span text:style-name="T8">치 </text:span>
-              <text:span text:style-name="T8">인</text:span>
-              <text:span text:style-name="T8">식</text:span>
-            </text:p>
-            <text:p text:style-name="P13">
+              <text:span text:style-name="T8">사람의 신체 위치 인식</text:span>
+            </text:p>
+            <text:p text:style-name="P18">
               <text:span text:style-name="T8">2. </text:span>
-              <text:span text:style-name="T9">사</text:span>
-              <text:span text:style-name="T9">용</text:span>
-              <text:span text:style-name="T9">자 </text:span>
-              <text:span text:style-name="T9">목</text:span>
-              <text:span text:style-name="T9">표</text:span>
-            </text:p>
-            <text:p text:style-name="P13">
+              <text:span text:style-name="T9">사용자 목표</text:span>
+            </text:p>
+            <text:p text:style-name="P18">
               <text:span text:style-name="T8">
                 <text:s text:c="4"/>
               </text:span>
               <text:span text:style-name="T8">-</text:span>
-              <text:span text:style-name="T8">사</text:span>
-              <text:span text:style-name="T8">용</text:span>
-              <text:span text:style-name="T8">자</text:span>
-              <text:span text:style-name="T8">의 </text:span>
-              <text:span text:style-name="T8">일</text:span>
-              <text:span text:style-name="T8">상</text:span>
-              <text:span text:style-name="T8">생</text:span>
-              <text:span text:style-name="T8">활</text:span>
-              <text:span text:style-name="T8">에</text:span>
-              <text:span text:style-name="T8">서 </text:span>
-              <text:span text:style-name="T8">발</text:span>
-              <text:span text:style-name="T8">생 </text:span>
-              <text:span text:style-name="T8">할 </text:span>
-              <text:span text:style-name="T8">수 </text:span>
-              <text:span text:style-name="T8">있</text:span>
-              <text:span text:style-name="T8">는 </text:span>
-              <text:span text:style-name="T8">위</text:span>
-              <text:span text:style-name="T8">험</text:span>
-              <text:span text:style-name="T8">에 </text:span>
-              <text:span text:style-name="T8">대</text:span>
-              <text:span text:style-name="T8">한 </text:span>
-              <text:span text:style-name="T8">불</text:span>
-              <text:span text:style-name="T8">안</text:span>
-              <text:span text:style-name="T8">감 </text:span>
-              <text:span text:style-name="T8">감</text:span>
-              <text:span text:style-name="T8">소</text:span>
-            </text:p>
-            <text:p text:style-name="P13">
+              <text:span text:style-name="T8">사용자의 일상생활에서 발생 할 수 있는 위험에 대한 불안감 감소</text:span>
+            </text:p>
+            <text:p text:style-name="P18">
               <text:span text:style-name="T8">
                 <text:s text:c="4"/>
               </text:span>
               <text:span text:style-name="T8">-</text:span>
-              <text:span text:style-name="T8">원</text:span>
-              <text:span text:style-name="T8">치 </text:span>
-              <text:span text:style-name="T8">않</text:span>
-              <text:span text:style-name="T8">는 </text:span>
-              <text:span text:style-name="T8">제</text:span>
-              <text:span text:style-name="T8">품</text:span>
-              <text:span text:style-name="T8">구</text:span>
-              <text:span text:style-name="T8">매 </text:span>
-              <text:span text:style-name="T8">확</text:span>
-              <text:span text:style-name="T8">률</text:span>
-              <text:span text:style-name="T8">을 </text:span>
-              <text:span text:style-name="T8">줄</text:span>
-              <text:span text:style-name="T8">이</text:span>
-              <text:span text:style-name="T8">고 </text:span>
-              <text:span text:style-name="T8">일</text:span>
-              <text:span text:style-name="T8">상</text:span>
-              <text:span text:style-name="T8">생</text:span>
-              <text:span text:style-name="T8">활</text:span>
-              <text:span text:style-name="T8">에 </text:span>
-              <text:span text:style-name="T8">대</text:span>
-              <text:span text:style-name="T8">한 </text:span>
-              <text:span text:style-name="T8">만</text:span>
-              <text:span text:style-name="T8">족</text:span>
-              <text:span text:style-name="T8">감 </text:span>
-              <text:span text:style-name="T8">상</text:span>
-              <text:span text:style-name="T8">승</text:span>
-            </text:p>
-            <text:p text:style-name="P13">
+              <text:span text:style-name="T8">원치 않는 제품구매 확률을 줄이고 일상생활에 대한 만족감 상승</text:span>
+            </text:p>
+            <text:p text:style-name="P18">
               <text:span text:style-name="T8"/>
             </text:p>
             <text:p/>
@@ -891,7 +1023,7 @@
             </draw:enhanced-geometry>
           </draw:custom-shape>
         </draw:g>
-        <draw:custom-shape draw:name="TextBox 7" draw:style-name="gr11" draw:text-style-name="P11" draw:layer="layout" svg:width="2.169cm" svg:height="2.358cm" svg:x="0.142cm" svg:y="0.117cm">
+        <draw:custom-shape draw:name="TextBox 7" draw:style-name="gr18" draw:text-style-name="P11" draw:layer="layout" svg:width="2.169cm" svg:height="2.358cm" svg:x="0.142cm" svg:y="0.117cm">
           <text:p text:style-name="P10">
             <text:span text:style-name="T4">03</text:span>
           </text:p>
@@ -903,13 +1035,13 @@
           </draw:enhanced-geometry>
         </draw:custom-shape>
         <presentation:notes draw:style-name="dp2">
-          <draw:page-thumbnail draw:style-name="gr5" draw:layer="layout" svg:width="19.798cm" svg:height="11.136cm" svg:x="0.6cm" svg:y="2.257cm" draw:page-number="5" presentation:class="page"/>
+          <draw:page-thumbnail draw:style-name="gr5" draw:layer="layout" svg:width="19.798cm" svg:height="11.136cm" svg:x="0.6cm" svg:y="2.257cm" draw:page-number="6" presentation:class="page"/>
           <draw:frame presentation:style-name="pr3" draw:text-style-name="P2" draw:layer="layout" svg:width="16.799cm" svg:height="13.364cm" svg:x="2.1cm" svg:y="14.107cm" presentation:class="notes" presentation:placeholder="true">
             <draw:text-box/>
           </draw:frame>
         </presentation:notes>
       </draw:page>
-      <draw:page draw:name="page6" draw:style-name="dp1" draw:master-page-name="기본값" presentation:presentation-page-layout-name="AL2T1">
+      <draw:page draw:name="page7" draw:style-name="dp1" draw:master-page-name="기본값" presentation:presentation-page-layout-name="AL2T1">
         <draw:frame presentation:style-name="pr1" draw:text-style-name="P1" draw:layer="layout" svg:width="25.199cm" svg:height="2.629cm" svg:x="1.4cm" svg:y="0.628cm" presentation:class="title" presentation:user-transformed="true">
           <draw:text-box>
             <text:p>시스템 구성도</text:p>
@@ -923,8 +1055,8 @@
           <text:p/>
           <draw:enhanced-geometry svg:viewBox="0 0 21600 21600" draw:type="rectangle" draw:enhanced-path="M 0 0 L 21600 0 21600 21600 0 21600 0 0 Z N"/>
         </draw:custom-shape>
-        <draw:custom-shape draw:name="TextBox 25" draw:style-name="gr12" draw:text-style-name="P16" draw:layer="layout" svg:width="21.069cm" svg:height="1.418cm" svg:x="1.431cm" svg:y="4.165cm">
-          <text:p text:style-name="P15">
+        <draw:custom-shape draw:name="TextBox 25" draw:style-name="gr19" draw:text-style-name="P21" draw:layer="layout" svg:width="21.069cm" svg:height="1.418cm" svg:x="1.431cm" svg:y="4.165cm">
+          <text:p text:style-name="P20">
             <text:span text:style-name="T10">mono_depth(openvino)</text:span>
             <text:span text:style-name="T10">를 활용하여 잠재적 장애물 인식</text:span>
           </text:p>
@@ -935,8 +1067,8 @@
             <draw:equation draw:name="f3" draw:formula="logwidth"/>
           </draw:enhanced-geometry>
         </draw:custom-shape>
-        <draw:custom-shape draw:name="TextBox 26" draw:style-name="gr13" draw:text-style-name="P18" draw:layer="layout" svg:width="23cm" svg:height="1.379cm" svg:x="1.4cm" svg:y="7.021cm">
-          <text:p text:style-name="P17">
+        <draw:custom-shape draw:name="TextBox 26" draw:style-name="gr20" draw:text-style-name="P23" draw:layer="layout" svg:width="23cm" svg:height="1.379cm" svg:x="1.4cm" svg:y="7.021cm">
+          <text:p text:style-name="P22">
             <text:span text:style-name="T10">pos_estimation(openvino)</text:span>
             <text:span text:style-name="T10">을 활용하여 사람의 신체 위치 인식</text:span>
           </text:p>
@@ -947,22 +1079,22 @@
             <draw:equation draw:name="f3" draw:formula="logwidth"/>
           </draw:enhanced-geometry>
         </draw:custom-shape>
-        <draw:frame draw:style-name="gr14" draw:text-style-name="P19" draw:layer="layout" svg:width="1.5cm" svg:height="1.373cm" svg:x="1.5cm" svg:y="3.257cm">
+        <draw:frame draw:style-name="gr21" draw:text-style-name="P24" draw:layer="layout" svg:width="1.5cm" svg:height="1.373cm" svg:x="1.5cm" svg:y="3.257cm">
           <draw:text-box>
             <text:p>
               <text:span text:style-name="T11">1.</text:span>
             </text:p>
           </draw:text-box>
         </draw:frame>
-        <draw:frame draw:style-name="gr14" draw:text-style-name="P20" draw:layer="layout" svg:width="1.5cm" svg:height="1.373cm" svg:x="1.5cm" svg:y="6.13cm">
+        <draw:frame draw:style-name="gr21" draw:text-style-name="P25" draw:layer="layout" svg:width="1.5cm" svg:height="1.373cm" svg:x="1.5cm" svg:y="6.13cm">
           <draw:text-box>
             <text:p>
               <text:span text:style-name="T12">2.</text:span>
             </text:p>
           </draw:text-box>
         </draw:frame>
-        <draw:custom-shape draw:name="TextBox 1" draw:style-name="gr15" draw:text-style-name="P22" draw:layer="layout" svg:width="13.069cm" svg:height="1.007cm" svg:x="1.4cm" svg:y="10.3cm">
-          <text:p text:style-name="P21">
+        <draw:custom-shape draw:name="TextBox 1" draw:style-name="gr22" draw:text-style-name="P27" draw:layer="layout" svg:width="13.069cm" svg:height="1.007cm" svg:x="1.4cm" svg:y="10.3cm">
+          <text:p text:style-name="P26">
             <text:span text:style-name="T13">yolov5</text:span>
             <text:span text:style-name="T13">를 활용 객체</text:span>
             <text:span text:style-name="T13">(</text:span>
@@ -977,7 +1109,7 @@
             <draw:equation draw:name="f3" draw:formula="logwidth"/>
           </draw:enhanced-geometry>
         </draw:custom-shape>
-        <draw:frame draw:style-name="gr14" draw:text-style-name="P20" draw:layer="layout" svg:width="1.5cm" svg:height="1.373cm" svg:x="1.5cm" svg:y="8.8cm">
+        <draw:frame draw:style-name="gr21" draw:text-style-name="P25" draw:layer="layout" svg:width="1.5cm" svg:height="1.373cm" svg:x="1.5cm" svg:y="8.8cm">
           <draw:text-box>
             <text:p>
               <text:span text:style-name="T12">3.</text:span>
@@ -1002,7 +1134,7 @@
             </draw:enhanced-geometry>
           </draw:custom-shape>
         </draw:g>
-        <draw:custom-shape draw:name="TextBox 10" draw:style-name="gr16" draw:text-style-name="P11" draw:layer="layout" svg:width="2.169cm" svg:height="2.358cm" svg:x="0.142cm" svg:y="0.117cm">
+        <draw:custom-shape draw:name="TextBox 10" draw:style-name="gr23" draw:text-style-name="P11" draw:layer="layout" svg:width="2.169cm" svg:height="2.358cm" svg:x="0.142cm" svg:y="0.117cm">
           <text:p text:style-name="P10">
             <text:span text:style-name="T4">04</text:span>
           </text:p>
@@ -1014,16 +1146,16 @@
           </draw:enhanced-geometry>
         </draw:custom-shape>
         <presentation:notes draw:style-name="dp2">
-          <draw:page-thumbnail draw:style-name="gr5" draw:layer="layout" svg:width="19.798cm" svg:height="11.136cm" svg:x="0.6cm" svg:y="2.257cm" draw:page-number="6" presentation:class="page"/>
+          <draw:page-thumbnail draw:style-name="gr5" draw:layer="layout" svg:width="19.798cm" svg:height="11.136cm" svg:x="0.6cm" svg:y="2.257cm" draw:page-number="7" presentation:class="page"/>
           <draw:frame presentation:style-name="pr3" draw:text-style-name="P2" draw:layer="layout" svg:width="16.799cm" svg:height="13.364cm" svg:x="2.1cm" svg:y="14.107cm" presentation:class="notes" presentation:placeholder="true">
             <draw:text-box/>
           </draw:frame>
         </presentation:notes>
       </draw:page>
-      <draw:page draw:name="page7" draw:style-name="dp1" draw:master-page-name="기본값" presentation:presentation-page-layout-name="AL2T1">
+      <draw:page draw:name="page8" draw:style-name="dp1" draw:master-page-name="기본값" presentation:presentation-page-layout-name="AL2T1">
         <draw:frame presentation:style-name="pr1" draw:text-style-name="P1" draw:layer="layout" svg:width="25.199cm" svg:height="2.629cm" svg:x="1.4cm" svg:y="0.628cm" presentation:class="title" presentation:user-transformed="true">
           <draw:text-box>
-            <text:p>개발 진행 상황</text:p>
+            <text:p>개발 진행</text:p>
           </draw:text-box>
         </draw:frame>
         <draw:custom-shape draw:style-name="gr4" draw:text-style-name="P6" draw:layer="layout" svg:width="3cm" svg:height="2.75cm" svg:x="25cm" svg:y="0cm">
@@ -1034,7 +1166,7 @@
           <text:p/>
           <draw:enhanced-geometry svg:viewBox="0 0 21600 21600" draw:type="rectangle" draw:enhanced-path="M 0 0 L 21600 0 21600 21600 0 21600 0 0 Z N"/>
         </draw:custom-shape>
-        <draw:custom-shape draw:name="TextBox 4" draw:style-name="gr17" draw:text-style-name="P23" draw:layer="layout" svg:width="10.069cm" svg:height="1.418cm" svg:x="8.5cm" svg:y="6.75cm">
+        <draw:custom-shape draw:name="TextBox 4" draw:style-name="gr24" draw:text-style-name="P28" draw:layer="layout" svg:width="10.069cm" svg:height="1.418cm" svg:x="8.5cm" svg:y="6.75cm">
           <text:p/>
           <draw:enhanced-geometry draw:mirror-horizontal="false" draw:mirror-vertical="false" svg:viewBox="0 0 0 0" draw:text-areas="0 0 ?f3 ?f2" draw:type="ooxml-rect" draw:enhanced-path="M 0 0 L ?f3 0 ?f3 ?f2 0 ?f2 Z N">
             <draw:equation draw:name="f0" draw:formula="logwidth/2"/>
@@ -1061,7 +1193,7 @@
             </draw:enhanced-geometry>
           </draw:custom-shape>
         </draw:g>
-        <draw:custom-shape draw:name="TextBox 12" draw:style-name="gr18" draw:text-style-name="P11" draw:layer="layout" svg:width="2.169cm" svg:height="2.358cm" svg:x="0.142cm" svg:y="0.117cm">
+        <draw:custom-shape draw:name="TextBox 12" draw:style-name="gr25" draw:text-style-name="P11" draw:layer="layout" svg:width="2.169cm" svg:height="2.358cm" svg:x="0.142cm" svg:y="0.117cm">
           <text:p text:style-name="P10">
             <text:span text:style-name="T4">05</text:span>
           </text:p>
@@ -1072,8 +1204,224 @@
             <draw:equation draw:name="f3" draw:formula="logwidth"/>
           </draw:enhanced-geometry>
         </draw:custom-shape>
+        <draw:frame draw:style-name="gr26" draw:text-style-name="P30" draw:layer="layout" svg:width="20cm" svg:height="7.603cm" svg:x="4.5cm" svg:y="4.897cm">
+          <draw:text-box>
+            <text:p text:style-name="P29">1. 협업을 통해 기능을 나눠 각각 동작하는 프로그램을 만들고 통합</text:p>
+            <text:p text:style-name="P29"/>
+            <text:p text:style-name="P29">2. 웹캠 리소스에 의한 프로그램 실행 불가 문제 발생</text:p>
+            <text:p text:style-name="P29"/>
+            <text:p text:style-name="P29">3. 리소스 객체를 만든 후 만들어진 객체를 통해 작업하는 방향으로 해결 </text:p>
+          </draw:text-box>
+        </draw:frame>
         <presentation:notes draw:style-name="dp2">
-          <draw:page-thumbnail draw:style-name="gr5" draw:layer="layout" svg:width="19.798cm" svg:height="11.136cm" svg:x="0.6cm" svg:y="2.257cm" draw:page-number="7" presentation:class="page"/>
+          <draw:page-thumbnail draw:style-name="gr5" draw:layer="layout" svg:width="19.798cm" svg:height="11.136cm" svg:x="0.6cm" svg:y="2.257cm" draw:page-number="8" presentation:class="page"/>
+          <draw:frame presentation:style-name="pr3" draw:text-style-name="P2" draw:layer="layout" svg:width="16.799cm" svg:height="13.364cm" svg:x="2.1cm" svg:y="14.107cm" presentation:class="notes" presentation:placeholder="true">
+            <draw:text-box/>
+          </draw:frame>
+        </presentation:notes>
+      </draw:page>
+      <draw:page draw:name="page9" draw:style-name="dp1" draw:master-page-name="기본값" presentation:presentation-page-layout-name="AL2T1">
+        <draw:frame presentation:style-name="pr1" draw:text-style-name="P1" draw:layer="layout" svg:width="25.199cm" svg:height="2.629cm" svg:x="1.4cm" svg:y="0.628cm" presentation:class="title" presentation:user-transformed="true">
+          <draw:text-box>
+            <text:p>시연 및 결과</text:p>
+          </draw:text-box>
+        </draw:frame>
+        <draw:custom-shape draw:style-name="gr4" draw:text-style-name="P6" draw:layer="layout" svg:width="3cm" svg:height="2.75cm" svg:x="25cm" svg:y="0cm">
+          <text:p/>
+          <draw:enhanced-geometry svg:viewBox="0 0 21600 21600" draw:type="rectangle" draw:enhanced-path="M 0 0 L 21600 0 21600 21600 0 21600 0 0 Z N"/>
+        </draw:custom-shape>
+        <draw:custom-shape draw:style-name="gr3" draw:text-style-name="P5" draw:layer="layout" svg:width="3cm" svg:height="2.75cm" svg:x="0cm" svg:y="13cm">
+          <text:p/>
+          <draw:enhanced-geometry svg:viewBox="0 0 21600 21600" draw:type="rectangle" draw:enhanced-path="M 0 0 L 21600 0 21600 21600 0 21600 0 0 Z N"/>
+        </draw:custom-shape>
+        <draw:custom-shape draw:name="TextBox 13" draw:style-name="gr27" draw:text-style-name="P28" draw:layer="layout" svg:width="10.069cm" svg:height="1.418cm" svg:x="8.5cm" svg:y="6.75cm">
+          <text:p/>
+          <draw:enhanced-geometry draw:mirror-horizontal="false" draw:mirror-vertical="false" svg:viewBox="0 0 0 0" draw:text-areas="0 0 ?f3 ?f2" draw:type="ooxml-rect" draw:enhanced-path="M 0 0 L ?f3 0 ?f3 ?f2 0 ?f2 Z N">
+            <draw:equation draw:name="f0" draw:formula="logwidth/2"/>
+            <draw:equation draw:name="f1" draw:formula="logheight/2"/>
+            <draw:equation draw:name="f2" draw:formula="logheight"/>
+            <draw:equation draw:name="f3" draw:formula="logwidth"/>
+          </draw:enhanced-geometry>
+        </draw:custom-shape>
+        <draw:g draw:name="Group 6">
+          <draw:custom-shape draw:name="Freeform 6" draw:style-name="gr6" draw:text-style-name="P8" draw:layer="layout" svg:width="2.548cm" svg:height="2.576cm" svg:x="-0.047cm" svg:y="0.025cm">
+            <text:p/>
+            <draw:enhanced-geometry draw:mirror-horizontal="false" draw:mirror-vertical="false" svg:viewBox="0 0 0 0" drawooo:sub-view-size="649019 695814" draw:text-areas="0 0 ?f0 ?f1" draw:type="ooxml-non-primitive" draw:enhanced-path="M 0 0 L 649019 0 649019 695814 0 695814 Z N">
+              <draw:equation draw:name="f0" draw:formula="logwidth"/>
+              <draw:equation draw:name="f1" draw:formula="logheight"/>
+            </draw:enhanced-geometry>
+          </draw:custom-shape>
+          <draw:custom-shape draw:name="TextBox 14" draw:style-name="gr7" draw:text-style-name="P9" draw:layer="layout" svg:width="2.548cm" svg:height="3cm" svg:x="-0.047cm" svg:y="-0.399cm">
+            <text:p/>
+            <draw:enhanced-geometry draw:mirror-horizontal="false" draw:mirror-vertical="false" svg:viewBox="0 0 0 0" draw:text-areas="0 0 ?f3 ?f2" draw:type="ooxml-rect" draw:enhanced-path="M 0 0 L ?f3 0 ?f3 ?f2 0 ?f2 Z N">
+              <draw:equation draw:name="f0" draw:formula="logwidth/2"/>
+              <draw:equation draw:name="f1" draw:formula="logheight/2"/>
+              <draw:equation draw:name="f2" draw:formula="logheight"/>
+              <draw:equation draw:name="f3" draw:formula="logwidth"/>
+            </draw:enhanced-geometry>
+          </draw:custom-shape>
+        </draw:g>
+        <draw:custom-shape draw:name="TextBox 15" draw:style-name="gr28" draw:text-style-name="P11" draw:layer="layout" svg:width="2.169cm" svg:height="2.358cm" svg:x="0.142cm" svg:y="0.117cm">
+          <text:p text:style-name="P10">
+            <text:span text:style-name="T4">06</text:span>
+          </text:p>
+          <draw:enhanced-geometry draw:mirror-horizontal="false" draw:mirror-vertical="false" svg:viewBox="0 0 0 0" draw:text-areas="0 0 ?f3 ?f2" draw:type="ooxml-rect" draw:enhanced-path="M 0 0 L ?f3 0 ?f3 ?f2 0 ?f2 Z N">
+            <draw:equation draw:name="f0" draw:formula="logwidth/2"/>
+            <draw:equation draw:name="f1" draw:formula="logheight/2"/>
+            <draw:equation draw:name="f2" draw:formula="logheight"/>
+            <draw:equation draw:name="f3" draw:formula="logwidth"/>
+          </draw:enhanced-geometry>
+        </draw:custom-shape>
+        <draw:frame draw:style-name="gr29" draw:text-style-name="P31" draw:layer="layout" svg:width="18.5cm" svg:height="8.496cm" draw:transform="skewX (-0.000872664625997165) rotate (-0.000872664625997355) translate (4.5cm 4cm)">
+          <draw:image xlink:href="Pictures/10000001000004FE0000024BDFB33427E6E95F9C.png" xlink:type="simple" xlink:show="embed" xlink:actuate="onLoad" draw:mime-type="image/png">
+            <text:p/>
+          </draw:image>
+        </draw:frame>
+        <presentation:notes draw:style-name="dp1">
+          <draw:page-thumbnail draw:style-name="gr5" draw:layer="layout" svg:width="19.798cm" svg:height="11.136cm" svg:x="0.6cm" svg:y="2.257cm" draw:page-number="9" presentation:class="page"/>
+          <draw:frame presentation:style-name="pr3" draw:text-style-name="P2" draw:layer="layout" svg:width="16.799cm" svg:height="13.364cm" svg:x="2.1cm" svg:y="14.107cm" presentation:class="notes" presentation:placeholder="true">
+            <draw:text-box/>
+          </draw:frame>
+        </presentation:notes>
+      </draw:page>
+      <draw:page draw:name="page10" draw:style-name="dp1" draw:master-page-name="기본값" presentation:presentation-page-layout-name="AL2T1">
+        <draw:frame presentation:style-name="pr1" draw:text-style-name="P1" draw:layer="layout" svg:width="25.199cm" svg:height="2.629cm" svg:x="1.4cm" svg:y="0.628cm" presentation:class="title" presentation:user-transformed="true">
+          <draw:text-box>
+            <text:p>고찰</text:p>
+          </draw:text-box>
+        </draw:frame>
+        <draw:custom-shape draw:style-name="gr4" draw:text-style-name="P6" draw:layer="layout" svg:width="3cm" svg:height="2.75cm" svg:x="25cm" svg:y="0cm">
+          <text:p/>
+          <draw:enhanced-geometry svg:viewBox="0 0 21600 21600" draw:type="rectangle" draw:enhanced-path="M 0 0 L 21600 0 21600 21600 0 21600 0 0 Z N"/>
+        </draw:custom-shape>
+        <draw:custom-shape draw:style-name="gr3" draw:text-style-name="P5" draw:layer="layout" svg:width="3cm" svg:height="2.75cm" svg:x="0cm" svg:y="13cm">
+          <text:p/>
+          <draw:enhanced-geometry svg:viewBox="0 0 21600 21600" draw:type="rectangle" draw:enhanced-path="M 0 0 L 21600 0 21600 21600 0 21600 0 0 Z N"/>
+        </draw:custom-shape>
+        <draw:custom-shape draw:name="TextBox 16" draw:style-name="gr30" draw:text-style-name="P28" draw:layer="layout" svg:width="10.069cm" svg:height="1.418cm" svg:x="8.5cm" svg:y="6.75cm">
+          <text:p/>
+          <draw:enhanced-geometry draw:mirror-horizontal="false" draw:mirror-vertical="false" svg:viewBox="0 0 0 0" draw:text-areas="0 0 ?f3 ?f2" draw:type="ooxml-rect" draw:enhanced-path="M 0 0 L ?f3 0 ?f3 ?f2 0 ?f2 Z N">
+            <draw:equation draw:name="f0" draw:formula="logwidth/2"/>
+            <draw:equation draw:name="f1" draw:formula="logheight/2"/>
+            <draw:equation draw:name="f2" draw:formula="logheight"/>
+            <draw:equation draw:name="f3" draw:formula="logwidth"/>
+          </draw:enhanced-geometry>
+        </draw:custom-shape>
+        <draw:g draw:name="Group 7">
+          <draw:custom-shape draw:name="Freeform 7" draw:style-name="gr6" draw:text-style-name="P8" draw:layer="layout" svg:width="2.548cm" svg:height="2.576cm" svg:x="-0.047cm" svg:y="0.025cm">
+            <text:p/>
+            <draw:enhanced-geometry draw:mirror-horizontal="false" draw:mirror-vertical="false" svg:viewBox="0 0 0 0" drawooo:sub-view-size="649019 695814" draw:text-areas="0 0 ?f0 ?f1" draw:type="ooxml-non-primitive" draw:enhanced-path="M 0 0 L 649019 0 649019 695814 0 695814 Z N">
+              <draw:equation draw:name="f0" draw:formula="logwidth"/>
+              <draw:equation draw:name="f1" draw:formula="logheight"/>
+            </draw:enhanced-geometry>
+          </draw:custom-shape>
+          <draw:custom-shape draw:name="TextBox 17" draw:style-name="gr7" draw:text-style-name="P9" draw:layer="layout" svg:width="2.548cm" svg:height="3cm" svg:x="-0.047cm" svg:y="-0.399cm">
+            <text:p/>
+            <draw:enhanced-geometry draw:mirror-horizontal="false" draw:mirror-vertical="false" svg:viewBox="0 0 0 0" draw:text-areas="0 0 ?f3 ?f2" draw:type="ooxml-rect" draw:enhanced-path="M 0 0 L ?f3 0 ?f3 ?f2 0 ?f2 Z N">
+              <draw:equation draw:name="f0" draw:formula="logwidth/2"/>
+              <draw:equation draw:name="f1" draw:formula="logheight/2"/>
+              <draw:equation draw:name="f2" draw:formula="logheight"/>
+              <draw:equation draw:name="f3" draw:formula="logwidth"/>
+            </draw:enhanced-geometry>
+          </draw:custom-shape>
+        </draw:g>
+        <draw:custom-shape draw:name="TextBox 18" draw:style-name="gr31" draw:text-style-name="P11" draw:layer="layout" svg:width="2.169cm" svg:height="2.358cm" svg:x="0.142cm" svg:y="0.117cm">
+          <text:p text:style-name="P10">
+            <text:span text:style-name="T4">07</text:span>
+          </text:p>
+          <draw:enhanced-geometry draw:mirror-horizontal="false" draw:mirror-vertical="false" svg:viewBox="0 0 0 0" draw:text-areas="0 0 ?f3 ?f2" draw:type="ooxml-rect" draw:enhanced-path="M 0 0 L ?f3 0 ?f3 ?f2 0 ?f2 Z N">
+            <draw:equation draw:name="f0" draw:formula="logwidth/2"/>
+            <draw:equation draw:name="f1" draw:formula="logheight/2"/>
+            <draw:equation draw:name="f2" draw:formula="logheight"/>
+            <draw:equation draw:name="f3" draw:formula="logwidth"/>
+          </draw:enhanced-geometry>
+        </draw:custom-shape>
+        <draw:custom-shape draw:style-name="gr32" draw:text-style-name="P12" draw:layer="layout" svg:width="4.5cm" svg:height="1.911cm" svg:x="2cm" svg:y="3.999cm">
+          <text:p/>
+          <draw:enhanced-geometry svg:viewBox="0 0 21600 21600" draw:type="rectangle" draw:enhanced-path="M 0 0 L 21600 0 21600 21600 0 21600 0 0 Z N"/>
+        </draw:custom-shape>
+        <draw:custom-shape draw:style-name="gr33" draw:text-style-name="P32" draw:layer="layout" svg:width="8cm" svg:height="8cm" svg:x="5.5cm" svg:y="4.999cm">
+          <text:p/>
+          <draw:enhanced-geometry svg:viewBox="0 0 21600 21600" draw:type="rectangle" draw:enhanced-path="M 0 0 L 21600 0 21600 21600 0 21600 0 0 Z N"/>
+        </draw:custom-shape>
+        <draw:frame draw:style-name="gr34" draw:text-style-name="P34" draw:layer="layout" svg:width="8cm" svg:height="7.999cm" svg:x="5.5cm" svg:y="5cm">
+          <draw:text-box>
+            <text:p text:style-name="P33">
+              <text:span text:style-name="T14">-3</text:span>
+              <text:span text:style-name="T14">인칭 카메라로 구현은 되었으나 </text:span>
+              <text:span text:style-name="T14">1</text:span>
+              <text:span text:style-name="T14">인칭 시점에서 </text:span>
+              <text:span text:style-name="T14">제대로 구현되지 않는부분을 개선하여 성능 향상 목표</text:span>
+            </text:p>
+            <text:p text:style-name="P33">
+              <text:span text:style-name="T14"/>
+            </text:p>
+            <text:p text:style-name="P33">
+              <text:span text:style-name="T14">- </text:span>
+              <text:span text:style-name="T14">시작부터 기능을 나눠 협업으로 개발을 하여 개발 </text:span>
+              <text:span text:style-name="T14">진행속도가 이전보다 현저히 빨라짐</text:span>
+            </text:p>
+            <text:p text:style-name="P33">
+              <text:span text:style-name="T14"/>
+            </text:p>
+            <text:p text:style-name="P33">
+              <text:span text:style-name="T14">- </text:span>
+              <text:span text:style-name="T14">각자 개발코드와 통합하는 과정에서 웹캠 리소스가 </text:span>
+              <text:span text:style-name="T14">맞지않아 어려움을 느꼇음</text:span>
+              <text:span text:style-name="T14">. </text:span>
+              <text:span text:style-name="T14">추후 협업시 이부분을 </text:span>
+              <text:span text:style-name="T14">고려하여 의견을 조율 후 진행 할 것 </text:span>
+            </text:p>
+          </draw:text-box>
+        </draw:frame>
+        <draw:frame draw:style-name="gr13" draw:text-style-name="P36" draw:layer="layout" svg:width="6cm" svg:height="1.17cm" svg:x="2.5cm" svg:y="4.329cm">
+          <draw:text-box>
+            <text:p text:style-name="P35">
+              <text:span text:style-name="T15">정수빈</text:span>
+            </text:p>
+          </draw:text-box>
+        </draw:frame>
+        <draw:custom-shape draw:style-name="gr35" draw:text-style-name="P37" draw:layer="layout" svg:width="4.5cm" svg:height="1.911cm" svg:x="15cm" svg:y="3.999cm">
+          <text:p/>
+          <draw:enhanced-geometry svg:viewBox="0 0 21600 21600" draw:type="rectangle" draw:enhanced-path="M 0 0 L 21600 0 21600 21600 0 21600 0 0 Z N"/>
+        </draw:custom-shape>
+        <draw:custom-shape draw:style-name="gr33" draw:text-style-name="P32" draw:layer="layout" svg:width="8cm" svg:height="8cm" svg:x="18.5cm" svg:y="4.999cm">
+          <text:p/>
+          <draw:enhanced-geometry svg:viewBox="0 0 21600 21600" draw:type="rectangle" draw:enhanced-path="M 0 0 L 21600 0 21600 21600 0 21600 0 0 Z N"/>
+        </draw:custom-shape>
+        <draw:frame draw:style-name="gr36" draw:text-style-name="P39" draw:layer="layout" svg:width="8cm" svg:height="8cm" svg:x="18.5cm" svg:y="5cm">
+          <draw:text-box>
+            <text:p text:style-name="P38">
+              <text:span text:style-name="T16">- </text:span>
+              <text:span text:style-name="T16">구현할 기능을 나누고 합치는 경험을 할 수 있어서 좋았다</text:span>
+              <text:span text:style-name="T16">.</text:span>
+            </text:p>
+            <text:p text:style-name="P38">
+              <text:span text:style-name="T16"/>
+            </text:p>
+            <text:p text:style-name="P38">
+              <text:span text:style-name="T16">- </text:span>
+              <text:span text:style-name="T16">조별 프로젝트를 위한 기능 구현을 미니프로젝트로 가능 성을 봤다</text:span>
+              <text:span text:style-name="T16">.</text:span>
+            </text:p>
+            <text:p text:style-name="P38">
+              <text:span text:style-name="T16"/>
+            </text:p>
+            <text:p text:style-name="P38">
+              <text:span text:style-name="T16">- </text:span>
+              <text:span text:style-name="T16">쓰레딩을 통해 기능을 동시 실행하다보니 각각 실행할 때 보다 퍼포먼스가 하락했는데 퍼포먼스 상승시킬 수 있는 방안을 연구하고싶다</text:span>
+            </text:p>
+          </draw:text-box>
+        </draw:frame>
+        <draw:frame draw:style-name="gr15" draw:text-style-name="P40" draw:layer="layout" svg:width="6cm" svg:height="1.17cm" svg:x="15.5cm" svg:y="4.329cm">
+          <draw:text-box>
+            <text:p text:style-name="P35">
+              <text:span text:style-name="T15">문재웅</text:span>
+            </text:p>
+          </draw:text-box>
+        </draw:frame>
+        <presentation:notes draw:style-name="dp1">
+          <draw:page-thumbnail draw:style-name="gr5" draw:layer="layout" svg:width="19.798cm" svg:height="11.136cm" svg:x="0.6cm" svg:y="2.257cm" draw:page-number="10" presentation:class="page"/>
           <draw:frame presentation:style-name="pr3" draw:text-style-name="P2" draw:layer="layout" svg:width="16.799cm" svg:height="13.364cm" svg:x="2.1cm" svg:y="14.107cm" presentation:class="notes" presentation:placeholder="true">
             <draw:text-box/>
           </draw:frame>
@@ -1089,11 +1437,11 @@
 <office:document-meta xmlns:presentation="urn:oasis:names:tc:opendocument:xmlns:presentation:1.0" xmlns:officeooo="http://openoffice.org/2009/office" xmlns:grddl="http://www.w3.org/2003/g/data-view#" xmlns:anim="urn:oasis:names:tc:opendocument:xmlns:animation:1.0" xmlns:meta="urn:oasis:names:tc:opendocument:xmlns:meta:1.0" xmlns:smil="urn:oasis:names:tc:opendocument:xmlns:smil-compatible:1.0" xmlns:dc="http://purl.org/dc/elements/1.1/" xmlns:xlink="http://www.w3.org/1999/xlink" xmlns:ooo="http://openoffice.org/2004/office" xmlns:office="urn:oasis:names:tc:opendocument:xmlns:office:1.0" office:version="1.3">
   <office:meta>
     <meta:creation-date>2024-12-04T09:20:03.176574053</meta:creation-date>
-    <dc:date>2024-12-04T10:47:39.020243545</dc:date>
-    <meta:editing-duration>PT32M38S</meta:editing-duration>
-    <meta:editing-cycles>7</meta:editing-cycles>
+    <dc:date>2024-12-04T12:40:55.743399019</dc:date>
+    <meta:editing-duration>PT39M41S</meta:editing-duration>
+    <meta:editing-cycles>11</meta:editing-cycles>
     <meta:generator>LibreOffice/7.3.7.2$Linux_X86_64 LibreOffice_project/30$Build-2</meta:generator>
-    <meta:document-statistic meta:object-count="90"/>
+    <meta:document-statistic meta:object-count="137"/>
   </office:meta>
 </office:document-meta>
 </file>
@@ -1102,10 +1450,10 @@
 <office:document-settings xmlns:officeooo="http://openoffice.org/2009/office" xmlns:anim="urn:oasis:names:tc:opendocument:xmlns:animation:1.0" xmlns:smil="urn:oasis:names:tc:opendocument:xmlns:smil-compatible:1.0" xmlns:presentation="urn:oasis:names:tc:opendocument:xmlns:presentation:1.0" xmlns:config="urn:oasis:names:tc:opendocument:xmlns:config:1.0" xmlns:xlink="http://www.w3.org/1999/xlink" xmlns:ooo="http://openoffice.org/2004/office" xmlns:office="urn:oasis:names:tc:opendocument:xmlns:office:1.0" office:version="1.3">
   <office:settings>
     <config:config-item-set config:name="ooo:view-settings">
-      <config:config-item config:name="VisibleAreaTop" config:type="int">-14610</config:config-item>
-      <config:config-item config:name="VisibleAreaLeft" config:type="int">-414</config:config-item>
-      <config:config-item config:name="VisibleAreaWidth" config:type="int">28989</config:config-item>
-      <config:config-item config:name="VisibleAreaHeight" config:type="int">44933</config:config-item>
+      <config:config-item config:name="VisibleAreaTop" config:type="int">-10989</config:config-item>
+      <config:config-item config:name="VisibleAreaLeft" config:type="int">-425</config:config-item>
+      <config:config-item config:name="VisibleAreaWidth" config:type="int">29027</config:config-item>
+      <config:config-item config:name="VisibleAreaHeight" config:type="int">37718</config:config-item>
       <config:config-item-map-indexed config:name="Views">
         <config:config-item-map-entry>
           <config:config-item config:name="ViewId" config:type="string">view1</config:config-item>
@@ -1127,16 +1475,16 @@
           <config:config-item config:name="NoColors" config:type="boolean">true</config:config-item>
           <config:config-item config:name="RulerIsVisible" config:type="boolean">false</config:config-item>
           <config:config-item config:name="PageKind" config:type="short">0</config:config-item>
-          <config:config-item config:name="SelectedPage" config:type="short">6</config:config-item>
+          <config:config-item config:name="SelectedPage" config:type="short">9</config:config-item>
           <config:config-item config:name="IsLayerMode" config:type="boolean">false</config:config-item>
           <config:config-item config:name="IsDoubleClickTextEdit" config:type="boolean">true</config:config-item>
           <config:config-item config:name="IsClickChangeRotation" config:type="boolean">true</config:config-item>
           <config:config-item config:name="SlidesPerRow" config:type="short">4</config:config-item>
           <config:config-item config:name="EditMode" config:type="int">0</config:config-item>
-          <config:config-item config:name="VisibleAreaTop" config:type="int">-14610</config:config-item>
-          <config:config-item config:name="VisibleAreaLeft" config:type="int">-414</config:config-item>
-          <config:config-item config:name="VisibleAreaWidth" config:type="int">28990</config:config-item>
-          <config:config-item config:name="VisibleAreaHeight" config:type="int">44934</config:config-item>
+          <config:config-item config:name="VisibleAreaTop" config:type="int">-10989</config:config-item>
+          <config:config-item config:name="VisibleAreaLeft" config:type="int">-425</config:config-item>
+          <config:config-item config:name="VisibleAreaWidth" config:type="int">29028</config:config-item>
+          <config:config-item config:name="VisibleAreaHeight" config:type="int">37719</config:config-item>
           <config:config-item config:name="GridCoarseWidth" config:type="int">2000</config:config-item>
           <config:config-item config:name="GridCoarseHeight" config:type="int">2000</config:config-item>
           <config:config-item config:name="GridFineWidth" config:type="int">500</config:config-item>
@@ -1205,7 +1553,7 @@
       <config:config-item config:name="PrinterIndependentLayout" config:type="string">low-resolution</config:config-item>
       <config:config-item config:name="PrinterName" config:type="string">Generic Printer</config:config-item>
       <config:config-item config:name="PrinterPaperFromSetup" config:type="boolean">false</config:config-item>
-      <config:config-item config:name="PrinterSetup" config:type="base64Binary">lAH+/0dlbmVyaWMgUHJpbnRlcgAAAAAAAAAAAAAAAAAAAAAAAAAAAAAAAAAAAAAAAAAAAAAAAAAAAAAAAAAAAAAAAAAAAAAAAAAAAAAAAAAAAAAAAAAAAAAAAAAAAAAAAAAAAAAAAAAAAAAAAAAAAAAAAAAAAAAAAAAAAAAAAAAAAAAAU0dFTlBSVAAAAAAAAAAAAAAAAAAAAAAAAAAAAAAAAAAWAAMAtQAAAAAAAAAEAAhSAAAEdAAASm9iRGF0YSAxCnByaW50ZXI9R2VuZXJpYyBQcmludGVyCm9yaWVudGF0aW9uPVBvcnRyYWl0CmNvcGllcz0xCmNvbGxhdGU9ZmFsc2UKbWFyZ2luYWRqdXN0bWVudD0wLDAsMCwwCmNvbG9yZGVwdGg9MjQKcHNsZXZlbD0wCnBkZmRldmljZT0xCmNvbG9yZGV2aWNlPTAKUFBEQ29udGV4dERhdGEKUGFnZVNpemU6QTQAABIAQ09NUEFUX0RVUExFWF9NT0RFDwBEdXBsZXhNb2RlOjpPZmY=</config:config-item>
+      <config:config-item config:name="PrinterSetup" config:type="base64Binary">oAH+/0dlbmVyaWMgUHJpbnRlcgAAAAAAAAAAAAAAAAAAAAAAAAAAAAAAAAAAAAAAAAAAAAAAAAAAAAAAAAAAAAAAAAAAAAAAAAAAAAAAAAAAAAAAAAAAAAAAAAAAAAAAAAAAAAAAAAAAAAAAAAAAAAAAAAAAAAAAAAAAAAAAAAAAAAAAU0dFTlBSVAAAAAAAAAAAAAAAAAAAAAAAAAAAAAAAAAAWAAMAwQAAAAAAAAAEAAhSAAAEdAAASm9iRGF0YSAxCnByaW50ZXI9R2VuZXJpYyBQcmludGVyCm9yaWVudGF0aW9uPVBvcnRyYWl0CmNvcGllcz0xCmNvbGxhdGU9ZmFsc2UKbWFyZ2luYWRqdXN0bWVudD0wLDAsMCwwCmNvbG9yZGVwdGg9MjQKcHNsZXZlbD0wCnBkZmRldmljZT0xCmNvbG9yZGV2aWNlPTAKUFBEQ29udGV4dERhdGEKRHVwbGV4Ok5vbmUAUGFnZVNpemU6QTQAABIAQ09NUEFUX0RVUExFWF9NT0RFDwBEdXBsZXhNb2RlOjpPZmY=</config:config-item>
       <config:config-item config:name="SaveThumbnail" config:type="boolean">true</config:config-item>
       <config:config-item config:name="SaveVersionOnClose" config:type="boolean">false</config:config-item>
       <config:config-item config:name="SlidesPerHandout" config:type="short">6</config:config-item>
@@ -1219,20 +1567,20 @@
 <office:document-styles xmlns:officeooo="http://openoffice.org/2009/office" xmlns:anim="urn:oasis:names:tc:opendocument:xmlns:animation:1.0" xmlns:smil="urn:oasis:names:tc:opendocument:xmlns:smil-compatible:1.0" xmlns:presentation="urn:oasis:names:tc:opendocument:xmlns:presentation:1.0" xmlns:css3t="http://www.w3.org/TR/css3-text/" xmlns:rpt="http://openoffice.org/2005/report" xmlns:dc="http://purl.org/dc/elements/1.1/" xmlns:chart="urn:oasis:names:tc:opendocument:xmlns:chart:1.0" xmlns:svg="urn:oasis:names:tc:opendocument:xmlns:svg-compatible:1.0" xmlns:draw="urn:oasis:names:tc:opendocument:xmlns:drawing:1.0" xmlns:text="urn:oasis:names:tc:opendocument:xmlns:text:1.0" xmlns:oooc="http://openoffice.org/2004/calc" xmlns:style="urn:oasis:names:tc:opendocument:xmlns:style:1.0" xmlns:ooow="http://openoffice.org/2004/writer" xmlns:meta="urn:oasis:names:tc:opendocument:xmlns:meta:1.0" xmlns:xlink="http://www.w3.org/1999/xlink" xmlns:fo="urn:oasis:names:tc:opendocument:xmlns:xsl-fo-compatible:1.0" xmlns:ooo="http://openoffice.org/2004/office" xmlns:office="urn:oasis:names:tc:opendocument:xmlns:office:1.0" xmlns:dr3d="urn:oasis:names:tc:opendocument:xmlns:dr3d:1.0" xmlns:table="urn:oasis:names:tc:opendocument:xmlns:table:1.0" xmlns:number="urn:oasis:names:tc:opendocument:xmlns:datastyle:1.0" xmlns:of="urn:oasis:names:tc:opendocument:xmlns:of:1.2" xmlns:calcext="urn:org:documentfoundation:names:experimental:calc:xmlns:calcext:1.0" xmlns:tableooo="http://openoffice.org/2009/table" xmlns:drawooo="http://openoffice.org/2010/draw" xmlns:grddl="http://www.w3.org/2003/g/data-view#" xmlns:loext="urn:org:documentfoundation:names:experimental:office:xmlns:loext:1.0" xmlns:dom="http://www.w3.org/2001/xml-events" xmlns:field="urn:openoffice:names:experimental:ooo-ms-interop:xmlns:field:1.0" xmlns:math="http://www.w3.org/1998/Math/MathML" xmlns:form="urn:oasis:names:tc:opendocument:xmlns:form:1.0" xmlns:script="urn:oasis:names:tc:opendocument:xmlns:script:1.0" xmlns:xhtml="http://www.w3.org/1999/xhtml" office:version="1.3">
   <office:font-face-decls>
     <style:font-face style:name="Liberation Sans" svg:font-family="'Liberation Sans'" style:font-family-generic="roman" style:font-pitch="variable"/>
-    <style:font-face style:name="Lohit Devanagari" svg:font-family="'Lohit Devanagari'" style:font-pitch="variable"/>
-    <style:font-face style:name="Lohit Devanagari1" svg:font-family="'Lohit Devanagari'" style:font-family-generic="system" style:font-pitch="variable"/>
+    <style:font-face style:name="Lohit Devanagari" svg:font-family="'Lohit Devanagari'" style:font-family-generic="system" style:font-pitch="variable"/>
+    <style:font-face style:name="Lohit Devanagari1" svg:font-family="'Lohit Devanagari'" style:font-pitch="variable"/>
     <style:font-face style:name="Noto Sans" svg:font-family="'Noto Sans'" style:font-family-generic="roman" style:font-pitch="variable"/>
     <style:font-face style:name="Noto Sans CJK JP" svg:font-family="'Noto Sans CJK JP'" style:font-family-generic="system" style:font-pitch="variable"/>
-    <style:font-face style:name="Noto Sans CJK JP Black" svg:font-family="'Noto Sans CJK JP Black'" style:font-adornments="Black" style:font-family-generic="swiss" style:font-pitch="variable"/>
-    <style:font-face style:name="Noto Sans CJK JP Black1" svg:font-family="'Noto Sans CJK JP Black'" style:font-family-generic="swiss" style:font-pitch="variable"/>
-    <style:font-face style:name="Noto Sans CJK KR" svg:font-family="'Noto Sans CJK KR'" style:font-pitch="variable"/>
+    <style:font-face style:name="Noto Sans CJK JP Black" svg:font-family="'Noto Sans CJK JP Black'" style:font-family-generic="swiss" style:font-pitch="variable"/>
+    <style:font-face style:name="Noto Sans CJK JP Black1" svg:font-family="'Noto Sans CJK JP Black'" style:font-adornments="Black" style:font-family-generic="swiss" style:font-pitch="variable"/>
+    <style:font-face style:name="Noto Sans CJK KR" svg:font-family="'Noto Sans CJK KR'" style:font-family-generic="roman" style:font-pitch="variable"/>
     <style:font-face style:name="Noto Sans CJK KR1" svg:font-family="'Noto Sans CJK KR'" style:font-family-generic="swiss" style:font-pitch="variable"/>
     <style:font-face style:name="Noto Sans CJK KR2" svg:font-family="'Noto Sans CJK KR'" style:font-family-generic="system" style:font-pitch="variable"/>
-    <style:font-face style:name="Noto Sans CJK KR3" svg:font-family="'Noto Sans CJK KR'" style:font-family-generic="roman" style:font-pitch="variable"/>
+    <style:font-face style:name="Noto Sans CJK KR3" svg:font-family="'Noto Sans CJK KR'" style:font-pitch="variable"/>
     <style:font-face style:name="Noto Serif CJK KR" svg:font-family="'Noto Serif CJK KR'" style:font-family-generic="roman" style:font-pitch="variable"/>
     <style:font-face style:name="Noto Serif CJK KR1" svg:font-family="'Noto Serif CJK KR'" style:font-family-generic="system" style:font-pitch="variable"/>
-    <style:font-face style:name="Open Sans Bold" svg:font-family="'Open Sans Bold'" style:font-pitch="variable"/>
-    <style:font-face style:name="Open Sans Bold1" svg:font-family="'Open Sans Bold'"/>
+    <style:font-face style:name="Open Sans Bold" svg:font-family="'Open Sans Bold'"/>
+    <style:font-face style:name="Open Sans Bold1" svg:font-family="'Open Sans Bold'" style:font-pitch="variable"/>
     <style:font-face style:name="Saab" svg:font-family="Saab" style:font-pitch="variable"/>
   </office:font-face-decls>
   <office:styles>
@@ -1242,10 +1590,13 @@
     <draw:gradient draw:name="빨간색으로_20_채움" draw:display-name="빨간색으로 채움" draw:style="linear" draw:start-color="#ff6d6d" draw:end-color="#c9211e" draw:start-intensity="100%" draw:end-intensity="100%" draw:angle="30deg" draw:border="0%"/>
     <draw:gradient draw:name="채움" draw:style="linear" draw:start-color="#ffffff" draw:end-color="#cccccc" draw:start-intensity="100%" draw:end-intensity="100%" draw:angle="30deg" draw:border="0%"/>
     <draw:gradient draw:name="파란색으로_20_채움" draw:display-name="파란색으로 채움" draw:style="linear" draw:start-color="#729fcf" draw:end-color="#355269" draw:start-intensity="100%" draw:end-intensity="100%" draw:angle="30deg" draw:border="0%"/>
+    <draw:opacity draw:name="Transparency_20_1" draw:display-name="Transparency 1" draw:style="radial" draw:cx="50%" draw:cy="50%" draw:start="100%" draw:end="0%" draw:border="0%"/>
+    <draw:opacity draw:name="Transparency_20_2" draw:display-name="Transparency 2" draw:style="ellipsoid" draw:cx="50%" draw:cy="50%" draw:start="100%" draw:end="0%" draw:angle="0deg" draw:border="0%"/>
+    <draw:opacity draw:name="Transparency_20_3" draw:display-name="Transparency 3" draw:style="rectangular" draw:cx="50%" draw:cy="50%" draw:start="100%" draw:end="0%" draw:angle="0deg" draw:border="0%"/>
     <draw:marker draw:name="Arrow" svg:viewBox="0 0 20 30" svg:d="M10 0l-10 30h20z"/>
     <style:default-style style:family="graphic">
       <style:graphic-properties svg:stroke-color="#3465a4" draw:fill-color="#729fcf" fo:wrap-option="no-wrap"/>
-      <style:paragraph-properties style:text-autospace="none" style:punctuation-wrap="simple" style:line-break="strict" style:font-independent-line-spacing="false">
+      <style:paragraph-properties style:text-autospace="none" style:punctuation-wrap="simple" style:line-break="strict" style:writing-mode="lr-tb" style:font-independent-line-spacing="false">
         <style:tab-stops/>
       </style:paragraph-properties>
       <style:text-properties style:use-window-font-color="true" loext:opacity="0%" style:font-name="Noto Serif CJK KR" fo:font-size="24pt" fo:language="en" fo:country="US" style:font-name-asian="Noto Serif CJK KR1" style:font-size-asian="24pt" style:language-asian="ko" style:country-asian="KR" style:font-name-complex="Noto Sans CJK JP" style:font-size-complex="24pt" style:language-complex="hi" style:country-complex="IN"/>
@@ -1296,7 +1647,7 @@
         </text:list-style>
       </style:graphic-properties>
       <style:paragraph-properties fo:margin-left="0cm" fo:margin-right="0cm" fo:margin-top="0cm" fo:margin-bottom="0cm" fo:line-height="100%" fo:text-indent="0cm"/>
-      <style:text-properties fo:font-variant="normal" fo:text-transform="none" style:use-window-font-color="true" loext:opacity="0%" style:text-outline="false" style:text-line-through-style="none" style:text-line-through-type="none" style:font-name="Noto Sans CJK KR3" fo:font-family="'Noto Sans CJK KR'" style:font-family-generic="roman" style:font-pitch="variable" fo:font-size="18pt" fo:font-style="normal" fo:text-shadow="none" style:text-underline-style="none" fo:font-weight="normal" style:letter-kerning="true" style:font-name-asian="Noto Sans CJK KR2" style:font-family-asian="'Noto Sans CJK KR'" style:font-family-generic-asian="system" style:font-pitch-asian="variable" style:font-size-asian="18pt" style:font-style-asian="normal" style:font-weight-asian="normal" style:font-name-complex="Lohit Devanagari1" style:font-family-complex="'Lohit Devanagari'" style:font-family-generic-complex="system" style:font-pitch-complex="variable" style:font-size-complex="18pt" style:font-style-complex="normal" style:font-weight-complex="normal" style:text-emphasize="none" style:font-relief="none" style:text-overline-style="none" style:text-overline-color="font-color"/>
+      <style:text-properties fo:font-variant="normal" fo:text-transform="none" style:use-window-font-color="true" loext:opacity="0%" style:text-outline="false" style:text-line-through-style="none" style:text-line-through-type="none" style:font-name="Noto Sans CJK KR" fo:font-family="'Noto Sans CJK KR'" style:font-family-generic="roman" style:font-pitch="variable" fo:font-size="18pt" fo:font-style="normal" fo:text-shadow="none" style:text-underline-style="none" fo:font-weight="normal" style:letter-kerning="true" style:font-name-asian="Noto Sans CJK KR2" style:font-family-asian="'Noto Sans CJK KR'" style:font-family-generic-asian="system" style:font-pitch-asian="variable" style:font-size-asian="18pt" style:font-style-asian="normal" style:font-weight-asian="normal" style:font-name-complex="Lohit Devanagari" style:font-family-complex="'Lohit Devanagari'" style:font-family-generic-complex="system" style:font-pitch-complex="variable" style:font-size-complex="18pt" style:font-style-complex="normal" style:font-weight-complex="normal" style:text-emphasize="none" style:font-relief="none" style:text-overline-style="none" style:text-overline-color="font-color"/>
     </style:style>
     <style:style style:name="objectwithoutfill" style:family="graphic" style:parent-style-name="standard">
       <style:graphic-properties draw:fill="none"/>
@@ -1404,7 +1755,7 @@
     <style:style style:name="기본값-notes" style:family="presentation">
       <style:graphic-properties draw:stroke="none" draw:fill="none"/>
       <style:paragraph-properties fo:margin-left="0.6cm" fo:margin-right="0cm" fo:text-indent="-0.6cm"/>
-      <style:text-properties fo:font-variant="normal" fo:text-transform="none" style:use-window-font-color="true" loext:opacity="0%" style:text-outline="false" style:text-line-through-style="none" style:text-line-through-type="none" style:font-name="Noto Sans CJK KR3" fo:font-family="'Noto Sans CJK KR'" style:font-family-generic="roman" style:font-pitch="variable" fo:font-size="20pt" fo:font-style="normal" fo:text-shadow="none" style:text-underline-style="none" fo:font-weight="normal" style:letter-kerning="true" fo:background-color="transparent" style:font-name-asian="Noto Sans CJK KR2" style:font-family-asian="'Noto Sans CJK KR'" style:font-family-generic-asian="system" style:font-pitch-asian="variable" style:font-size-asian="20pt" style:font-style-asian="normal" style:font-weight-asian="normal" style:font-name-complex="Lohit Devanagari1" style:font-family-complex="'Lohit Devanagari'" style:font-family-generic-complex="system" style:font-pitch-complex="variable" style:font-size-complex="20pt" style:font-style-complex="normal" style:font-weight-complex="normal" style:text-emphasize="none" style:font-relief="none" style:text-overline-style="none" style:text-overline-color="font-color"/>
+      <style:text-properties fo:font-variant="normal" fo:text-transform="none" style:use-window-font-color="true" loext:opacity="0%" style:text-outline="false" style:text-line-through-style="none" style:text-line-through-type="none" style:font-name="Noto Sans CJK KR" fo:font-family="'Noto Sans CJK KR'" style:font-family-generic="roman" style:font-pitch="variable" fo:font-size="20pt" fo:font-style="normal" fo:text-shadow="none" style:text-underline-style="none" fo:font-weight="normal" style:letter-kerning="true" fo:background-color="transparent" style:font-name-asian="Noto Sans CJK KR2" style:font-family-asian="'Noto Sans CJK KR'" style:font-family-generic-asian="system" style:font-pitch-asian="variable" style:font-size-asian="20pt" style:font-style-asian="normal" style:font-weight-asian="normal" style:font-name-complex="Lohit Devanagari" style:font-family-complex="'Lohit Devanagari'" style:font-family-generic-complex="system" style:font-pitch-complex="variable" style:font-size-complex="20pt" style:font-style-complex="normal" style:font-weight-complex="normal" style:text-emphasize="none" style:font-relief="none" style:text-overline-style="none" style:text-overline-color="font-color"/>
     </style:style>
     <style:style style:name="기본값-outline1" style:family="presentation">
       <style:graphic-properties draw:stroke="none" draw:fill="none" draw:auto-grow-height="false" draw:fit-to-size="false" style:shrink-to-fit="true">
@@ -1452,7 +1803,7 @@
         </text:list-style>
       </style:graphic-properties>
       <style:paragraph-properties fo:margin-top="0.5cm" fo:margin-bottom="0cm"/>
-      <style:text-properties fo:font-variant="normal" fo:text-transform="none" style:use-window-font-color="true" loext:opacity="0%" style:text-outline="false" style:text-line-through-style="none" style:text-line-through-type="none" style:font-name="Noto Sans CJK KR3" fo:font-family="'Noto Sans CJK KR'" style:font-family-generic="roman" style:font-pitch="variable" fo:font-size="32pt" fo:font-style="normal" fo:text-shadow="none" style:text-underline-style="none" fo:font-weight="normal" style:letter-kerning="true" fo:background-color="transparent" style:font-name-asian="Noto Sans CJK KR2" style:font-family-asian="'Noto Sans CJK KR'" style:font-family-generic-asian="system" style:font-pitch-asian="variable" style:font-size-asian="32pt" style:font-style-asian="normal" style:font-weight-asian="normal" style:font-name-complex="Lohit Devanagari1" style:font-family-complex="'Lohit Devanagari'" style:font-family-generic-complex="system" style:font-pitch-complex="variable" style:font-size-complex="32pt" style:font-style-complex="normal" style:font-weight-complex="normal" style:text-emphasize="none" style:font-relief="none" style:text-overline-style="none" style:text-overline-color="font-color"/>
+      <style:text-properties fo:font-variant="normal" fo:text-transform="none" style:use-window-font-color="true" loext:opacity="0%" style:text-outline="false" style:text-line-through-style="none" style:text-line-through-type="none" style:font-name="Noto Sans CJK KR" fo:font-family="'Noto Sans CJK KR'" style:font-family-generic="roman" style:font-pitch="variable" fo:font-size="32pt" fo:font-style="normal" fo:text-shadow="none" style:text-underline-style="none" fo:font-weight="normal" style:letter-kerning="true" fo:background-color="transparent" style:font-name-asian="Noto Sans CJK KR2" style:font-family-asian="'Noto Sans CJK KR'" style:font-family-generic-asian="system" style:font-pitch-asian="variable" style:font-size-asian="32pt" style:font-style-asian="normal" style:font-weight-asian="normal" style:font-name-complex="Lohit Devanagari" style:font-family-complex="'Lohit Devanagari'" style:font-family-generic-complex="system" style:font-pitch-complex="variable" style:font-size-complex="32pt" style:font-style-complex="normal" style:font-weight-complex="normal" style:text-emphasize="none" style:font-relief="none" style:text-overline-style="none" style:text-overline-color="font-color"/>
     </style:style>
     <style:style style:name="기본값-outline2" style:family="presentation" style:parent-style-name="기본값-outline1">
       <style:paragraph-properties fo:margin-top="0.4cm" fo:margin-bottom="0cm"/>
@@ -1532,7 +1883,7 @@
         </text:list-style>
       </style:graphic-properties>
       <style:paragraph-properties fo:margin-left="0cm" fo:margin-right="0cm" fo:text-align="center" fo:text-indent="0cm"/>
-      <style:text-properties fo:font-variant="normal" fo:text-transform="none" style:use-window-font-color="true" loext:opacity="0%" style:text-outline="false" style:text-line-through-style="none" style:text-line-through-type="none" style:font-name="Noto Sans CJK KR3" fo:font-family="'Noto Sans CJK KR'" style:font-family-generic="roman" style:font-pitch="variable" fo:font-size="32pt" fo:font-style="normal" fo:text-shadow="none" style:text-underline-style="none" fo:font-weight="normal" style:letter-kerning="true" fo:background-color="transparent" style:font-name-asian="Noto Sans CJK KR2" style:font-family-asian="'Noto Sans CJK KR'" style:font-family-generic-asian="system" style:font-pitch-asian="variable" style:font-size-asian="32pt" style:font-style-asian="normal" style:font-weight-asian="normal" style:font-name-complex="Lohit Devanagari1" style:font-family-complex="'Lohit Devanagari'" style:font-family-generic-complex="system" style:font-pitch-complex="variable" style:font-size-complex="32pt" style:font-style-complex="normal" style:font-weight-complex="normal" style:text-emphasize="none" style:font-relief="none" style:text-overline-style="none" style:text-overline-color="font-color"/>
+      <style:text-properties fo:font-variant="normal" fo:text-transform="none" style:use-window-font-color="true" loext:opacity="0%" style:text-outline="false" style:text-line-through-style="none" style:text-line-through-type="none" style:font-name="Noto Sans CJK KR" fo:font-family="'Noto Sans CJK KR'" style:font-family-generic="roman" style:font-pitch="variable" fo:font-size="32pt" fo:font-style="normal" fo:text-shadow="none" style:text-underline-style="none" fo:font-weight="normal" style:letter-kerning="true" fo:background-color="transparent" style:font-name-asian="Noto Sans CJK KR2" style:font-family-asian="'Noto Sans CJK KR'" style:font-family-generic-asian="system" style:font-pitch-asian="variable" style:font-size-asian="32pt" style:font-style-asian="normal" style:font-weight-asian="normal" style:font-name-complex="Lohit Devanagari" style:font-family-complex="'Lohit Devanagari'" style:font-family-generic-complex="system" style:font-pitch-complex="variable" style:font-size-complex="32pt" style:font-style-complex="normal" style:font-weight-complex="normal" style:text-emphasize="none" style:font-relief="none" style:text-overline-style="none" style:text-overline-color="font-color"/>
     </style:style>
     <style:style style:name="기본값-title" style:family="presentation">
       <style:graphic-properties draw:stroke="none" draw:fill="none" draw:textarea-vertical-align="middle">
@@ -1580,7 +1931,7 @@
         </text:list-style>
       </style:graphic-properties>
       <style:paragraph-properties fo:text-align="center"/>
-      <style:text-properties fo:font-variant="normal" fo:text-transform="none" style:use-window-font-color="true" loext:opacity="0%" style:text-outline="false" style:text-line-through-style="none" style:text-line-through-type="none" style:font-name="Noto Sans CJK KR3" fo:font-family="'Noto Sans CJK KR'" style:font-family-generic="roman" style:font-pitch="variable" fo:font-size="44pt" fo:font-style="normal" fo:text-shadow="none" style:text-underline-style="none" fo:font-weight="normal" style:letter-kerning="true" fo:background-color="transparent" style:font-name-asian="Noto Sans CJK KR2" style:font-family-asian="'Noto Sans CJK KR'" style:font-family-generic-asian="system" style:font-pitch-asian="variable" style:font-size-asian="44pt" style:font-style-asian="normal" style:font-weight-asian="normal" style:font-name-complex="Lohit Devanagari1" style:font-family-complex="'Lohit Devanagari'" style:font-family-generic-complex="system" style:font-pitch-complex="variable" style:font-size-complex="44pt" style:font-style-complex="normal" style:font-weight-complex="normal" style:text-emphasize="none" style:font-relief="none" style:text-overline-style="none" style:text-overline-color="font-color"/>
+      <style:text-properties fo:font-variant="normal" fo:text-transform="none" style:use-window-font-color="true" loext:opacity="0%" style:text-outline="false" style:text-line-through-style="none" style:text-line-through-type="none" style:font-name="Noto Sans CJK KR" fo:font-family="'Noto Sans CJK KR'" style:font-family-generic="roman" style:font-pitch="variable" fo:font-size="44pt" fo:font-style="normal" fo:text-shadow="none" style:text-underline-style="none" fo:font-weight="normal" style:letter-kerning="true" fo:background-color="transparent" style:font-name-asian="Noto Sans CJK KR2" style:font-family-asian="'Noto Sans CJK KR'" style:font-family-generic-asian="system" style:font-pitch-asian="variable" style:font-size-asian="44pt" style:font-style-asian="normal" style:font-weight-asian="normal" style:font-name-complex="Lohit Devanagari" style:font-family-complex="'Lohit Devanagari'" style:font-family-generic-complex="system" style:font-pitch-complex="variable" style:font-size-complex="44pt" style:font-style-complex="normal" style:font-weight-complex="normal" style:text-emphasize="none" style:font-relief="none" style:text-overline-style="none" style:text-overline-color="font-color"/>
     </style:style>
     <style:presentation-page-layout style:name="AL0T26">
       <presentation:placeholder presentation:object="handout" svg:x="2.058cm" svg:y="1.743cm" svg:width="10.556cm" svg:height="-0.231cm"/>
